--- a/课程ppt/第8讲 用户管理.pptx
+++ b/课程ppt/第8讲 用户管理.pptx
@@ -9,47 +9,46 @@
     <p:sldMasterId id="2147483691" r:id="rId5"/>
   </p:sldMasterIdLst>
   <p:notesMasterIdLst>
-    <p:notesMasterId r:id="rId36"/>
+    <p:notesMasterId r:id="rId35"/>
   </p:notesMasterIdLst>
   <p:handoutMasterIdLst>
-    <p:handoutMasterId r:id="rId37"/>
+    <p:handoutMasterId r:id="rId36"/>
   </p:handoutMasterIdLst>
   <p:sldIdLst>
     <p:sldId id="257" r:id="rId6"/>
     <p:sldId id="446" r:id="rId7"/>
     <p:sldId id="454" r:id="rId8"/>
-    <p:sldId id="498" r:id="rId9"/>
-    <p:sldId id="451" r:id="rId10"/>
-    <p:sldId id="481" r:id="rId11"/>
-    <p:sldId id="482" r:id="rId12"/>
-    <p:sldId id="466" r:id="rId13"/>
-    <p:sldId id="483" r:id="rId14"/>
-    <p:sldId id="484" r:id="rId15"/>
-    <p:sldId id="485" r:id="rId16"/>
-    <p:sldId id="486" r:id="rId17"/>
-    <p:sldId id="487" r:id="rId18"/>
-    <p:sldId id="488" r:id="rId19"/>
-    <p:sldId id="460" r:id="rId20"/>
-    <p:sldId id="439" r:id="rId21"/>
-    <p:sldId id="490" r:id="rId22"/>
-    <p:sldId id="480" r:id="rId23"/>
-    <p:sldId id="489" r:id="rId24"/>
-    <p:sldId id="491" r:id="rId25"/>
-    <p:sldId id="456" r:id="rId26"/>
-    <p:sldId id="440" r:id="rId27"/>
-    <p:sldId id="452" r:id="rId28"/>
-    <p:sldId id="492" r:id="rId29"/>
-    <p:sldId id="495" r:id="rId30"/>
-    <p:sldId id="496" r:id="rId31"/>
-    <p:sldId id="493" r:id="rId32"/>
-    <p:sldId id="497" r:id="rId33"/>
-    <p:sldId id="494" r:id="rId34"/>
-    <p:sldId id="311" r:id="rId35"/>
+    <p:sldId id="451" r:id="rId9"/>
+    <p:sldId id="481" r:id="rId10"/>
+    <p:sldId id="482" r:id="rId11"/>
+    <p:sldId id="466" r:id="rId12"/>
+    <p:sldId id="483" r:id="rId13"/>
+    <p:sldId id="484" r:id="rId14"/>
+    <p:sldId id="485" r:id="rId15"/>
+    <p:sldId id="486" r:id="rId16"/>
+    <p:sldId id="487" r:id="rId17"/>
+    <p:sldId id="488" r:id="rId18"/>
+    <p:sldId id="460" r:id="rId19"/>
+    <p:sldId id="439" r:id="rId20"/>
+    <p:sldId id="490" r:id="rId21"/>
+    <p:sldId id="480" r:id="rId22"/>
+    <p:sldId id="489" r:id="rId23"/>
+    <p:sldId id="491" r:id="rId24"/>
+    <p:sldId id="456" r:id="rId25"/>
+    <p:sldId id="440" r:id="rId26"/>
+    <p:sldId id="452" r:id="rId27"/>
+    <p:sldId id="492" r:id="rId28"/>
+    <p:sldId id="495" r:id="rId29"/>
+    <p:sldId id="496" r:id="rId30"/>
+    <p:sldId id="493" r:id="rId31"/>
+    <p:sldId id="497" r:id="rId32"/>
+    <p:sldId id="494" r:id="rId33"/>
+    <p:sldId id="311" r:id="rId34"/>
   </p:sldIdLst>
   <p:sldSz cx="12192000" cy="6858000"/>
   <p:notesSz cx="6858000" cy="9144000"/>
   <p:custDataLst>
-    <p:tags r:id="rId38"/>
+    <p:tags r:id="rId37"/>
   </p:custDataLst>
   <p:defaultTextStyle>
     <a:defPPr>
@@ -280,7 +279,7 @@
           <a:p>
             <a:fld id="{2B71C804-97F5-4B36-A7AC-EEEC7F44F6C2}" type="datetimeFigureOut">
               <a:rPr lang="zh-CN" altLang="en-US" smtClean="0"/>
-              <a:t>2017/8/22</a:t>
+              <a:t>2017/8/31</a:t>
             </a:fld>
             <a:endParaRPr lang="zh-CN" altLang="en-US"/>
           </a:p>
@@ -446,7 +445,7 @@
           <a:p>
             <a:fld id="{0568D9C6-D8DC-4CC3-8480-E0C4DBA1CC07}" type="datetimeFigureOut">
               <a:rPr lang="zh-CN" altLang="en-US" smtClean="0"/>
-              <a:t>2017/8/22</a:t>
+              <a:t>2017/8/31</a:t>
             </a:fld>
             <a:endParaRPr lang="zh-CN" altLang="en-US"/>
           </a:p>
@@ -957,7 +956,7 @@
                 <a:ea typeface="宋体" charset="-122"/>
               </a:rPr>
               <a:pPr algn="r" eaLnBrk="1" hangingPunct="1"/>
-              <a:t>30</a:t>
+              <a:t>29</a:t>
             </a:fld>
             <a:endParaRPr lang="zh-CN" altLang="en-US" sz="1200">
               <a:latin typeface="Calibri" pitchFamily="34" charset="0"/>
@@ -1059,7 +1058,7 @@
           <a:p>
             <a:fld id="{DB9D664F-4C68-42D2-B189-678958EFAFDA}" type="datetime1">
               <a:rPr lang="zh-CN" altLang="en-US" smtClean="0"/>
-              <a:t>2017/8/22</a:t>
+              <a:t>2017/8/31</a:t>
             </a:fld>
             <a:endParaRPr lang="zh-CN" altLang="en-US"/>
           </a:p>
@@ -2041,7 +2040,7 @@
           <a:p>
             <a:fld id="{ED5513C8-E3A4-4D78-B249-887659A958FF}" type="datetime1">
               <a:rPr lang="en-US" altLang="zh-CN" smtClean="0"/>
-              <a:t>8/22/2017</a:t>
+              <a:t>8/31/2017</a:t>
             </a:fld>
             <a:endParaRPr lang="en-US"/>
           </a:p>
@@ -2219,7 +2218,7 @@
           <a:p>
             <a:fld id="{EBEDA52C-3EEE-4289-818C-901C0A7814FE}" type="datetime1">
               <a:rPr lang="en-US" altLang="zh-CN" smtClean="0"/>
-              <a:t>8/22/2017</a:t>
+              <a:t>8/31/2017</a:t>
             </a:fld>
             <a:endParaRPr lang="en-US"/>
           </a:p>
@@ -2473,7 +2472,7 @@
           <a:p>
             <a:fld id="{09EF5D7F-EA15-485C-85DD-8FDC010A62D4}" type="datetime1">
               <a:rPr lang="en-US" altLang="zh-CN" smtClean="0"/>
-              <a:t>8/22/2017</a:t>
+              <a:t>8/31/2017</a:t>
             </a:fld>
             <a:endParaRPr lang="en-US"/>
           </a:p>
@@ -2713,7 +2712,7 @@
           <a:p>
             <a:fld id="{9541C2B2-0BAB-4CD4-83EE-25F1A7138896}" type="datetime1">
               <a:rPr lang="en-US" altLang="zh-CN" smtClean="0"/>
-              <a:t>8/22/2017</a:t>
+              <a:t>8/31/2017</a:t>
             </a:fld>
             <a:endParaRPr lang="en-US"/>
           </a:p>
@@ -3088,7 +3087,7 @@
           <a:p>
             <a:fld id="{7DEA23E7-D0FC-41DC-8745-BE6FC447B182}" type="datetime1">
               <a:rPr lang="en-US" altLang="zh-CN" smtClean="0"/>
-              <a:t>8/22/2017</a:t>
+              <a:t>8/31/2017</a:t>
             </a:fld>
             <a:endParaRPr lang="en-US"/>
           </a:p>
@@ -3873,7 +3872,7 @@
           <a:p>
             <a:fld id="{5DEA8378-5F33-490B-8120-8DE6B7EE2781}" type="datetime1">
               <a:rPr lang="en-US" altLang="zh-CN" smtClean="0"/>
-              <a:t>8/22/2017</a:t>
+              <a:t>8/31/2017</a:t>
             </a:fld>
             <a:endParaRPr lang="en-US"/>
           </a:p>
@@ -4127,7 +4126,7 @@
           <a:p>
             <a:fld id="{38DD30CF-78A7-4C73-91B4-38D3E3317745}" type="datetime1">
               <a:rPr lang="en-US" altLang="zh-CN" smtClean="0"/>
-              <a:t>8/22/2017</a:t>
+              <a:t>8/31/2017</a:t>
             </a:fld>
             <a:endParaRPr lang="en-US"/>
           </a:p>
@@ -4230,7 +4229,7 @@
           <a:p>
             <a:fld id="{A1BE0A72-8501-4974-A7B7-5BD248ABBAFC}" type="datetime1">
               <a:rPr lang="zh-CN" altLang="en-US" smtClean="0"/>
-              <a:t>2017/8/22</a:t>
+              <a:t>2017/8/31</a:t>
             </a:fld>
             <a:endParaRPr lang="zh-CN" altLang="en-US"/>
           </a:p>
@@ -4491,7 +4490,7 @@
           <a:p>
             <a:fld id="{0B7E01DD-16D0-4DBA-9C1A-51468BA0B73A}" type="datetime1">
               <a:rPr lang="en-US" altLang="zh-CN" smtClean="0"/>
-              <a:t>8/22/2017</a:t>
+              <a:t>8/31/2017</a:t>
             </a:fld>
             <a:endParaRPr lang="en-US"/>
           </a:p>
@@ -4669,7 +4668,7 @@
           <a:p>
             <a:fld id="{B587E63F-0E62-4A50-901F-E071D77F7634}" type="datetime1">
               <a:rPr lang="en-US" altLang="zh-CN" smtClean="0"/>
-              <a:t>8/22/2017</a:t>
+              <a:t>8/31/2017</a:t>
             </a:fld>
             <a:endParaRPr lang="en-US"/>
           </a:p>
@@ -4857,7 +4856,7 @@
           <a:p>
             <a:fld id="{BD8521E8-9297-400B-AD8C-0A4D05699D33}" type="datetime1">
               <a:rPr lang="en-US" altLang="zh-CN" smtClean="0"/>
-              <a:t>8/22/2017</a:t>
+              <a:t>8/31/2017</a:t>
             </a:fld>
             <a:endParaRPr lang="en-US"/>
           </a:p>
@@ -5088,7 +5087,7 @@
           <a:p>
             <a:fld id="{ED5513C8-E3A4-4D78-B249-887659A958FF}" type="datetime1">
               <a:rPr lang="en-US" altLang="zh-CN" smtClean="0"/>
-              <a:t>8/22/2017</a:t>
+              <a:t>8/31/2017</a:t>
             </a:fld>
             <a:endParaRPr lang="en-US"/>
           </a:p>
@@ -5266,7 +5265,7 @@
           <a:p>
             <a:fld id="{EBEDA52C-3EEE-4289-818C-901C0A7814FE}" type="datetime1">
               <a:rPr lang="en-US" altLang="zh-CN" smtClean="0"/>
-              <a:t>8/22/2017</a:t>
+              <a:t>8/31/2017</a:t>
             </a:fld>
             <a:endParaRPr lang="en-US"/>
           </a:p>
@@ -5520,7 +5519,7 @@
           <a:p>
             <a:fld id="{09EF5D7F-EA15-485C-85DD-8FDC010A62D4}" type="datetime1">
               <a:rPr lang="en-US" altLang="zh-CN" smtClean="0"/>
-              <a:t>8/22/2017</a:t>
+              <a:t>8/31/2017</a:t>
             </a:fld>
             <a:endParaRPr lang="en-US"/>
           </a:p>
@@ -5760,7 +5759,7 @@
           <a:p>
             <a:fld id="{9541C2B2-0BAB-4CD4-83EE-25F1A7138896}" type="datetime1">
               <a:rPr lang="en-US" altLang="zh-CN" smtClean="0"/>
-              <a:t>8/22/2017</a:t>
+              <a:t>8/31/2017</a:t>
             </a:fld>
             <a:endParaRPr lang="en-US"/>
           </a:p>
@@ -6135,7 +6134,7 @@
           <a:p>
             <a:fld id="{7DEA23E7-D0FC-41DC-8745-BE6FC447B182}" type="datetime1">
               <a:rPr lang="en-US" altLang="zh-CN" smtClean="0"/>
-              <a:t>8/22/2017</a:t>
+              <a:t>8/31/2017</a:t>
             </a:fld>
             <a:endParaRPr lang="en-US"/>
           </a:p>
@@ -6920,7 +6919,7 @@
           <a:p>
             <a:fld id="{A1BE0A72-8501-4974-A7B7-5BD248ABBAFC}" type="datetime1">
               <a:rPr lang="zh-CN" altLang="en-US" smtClean="0"/>
-              <a:t>2017/8/22</a:t>
+              <a:t>2017/8/31</a:t>
             </a:fld>
             <a:endParaRPr lang="zh-CN" altLang="en-US"/>
           </a:p>
@@ -6973,7 +6972,7 @@
           <a:p>
             <a:fld id="{5DEA8378-5F33-490B-8120-8DE6B7EE2781}" type="datetime1">
               <a:rPr lang="en-US" altLang="zh-CN" smtClean="0"/>
-              <a:t>8/22/2017</a:t>
+              <a:t>8/31/2017</a:t>
             </a:fld>
             <a:endParaRPr lang="en-US"/>
           </a:p>
@@ -7227,7 +7226,7 @@
           <a:p>
             <a:fld id="{38DD30CF-78A7-4C73-91B4-38D3E3317745}" type="datetime1">
               <a:rPr lang="en-US" altLang="zh-CN" smtClean="0"/>
-              <a:t>8/22/2017</a:t>
+              <a:t>8/31/2017</a:t>
             </a:fld>
             <a:endParaRPr lang="en-US"/>
           </a:p>
@@ -7492,7 +7491,7 @@
           <a:p>
             <a:fld id="{0B7E01DD-16D0-4DBA-9C1A-51468BA0B73A}" type="datetime1">
               <a:rPr lang="en-US" altLang="zh-CN" smtClean="0"/>
-              <a:t>8/22/2017</a:t>
+              <a:t>8/31/2017</a:t>
             </a:fld>
             <a:endParaRPr lang="en-US"/>
           </a:p>
@@ -7670,7 +7669,7 @@
           <a:p>
             <a:fld id="{B587E63F-0E62-4A50-901F-E071D77F7634}" type="datetime1">
               <a:rPr lang="en-US" altLang="zh-CN" smtClean="0"/>
-              <a:t>8/22/2017</a:t>
+              <a:t>8/31/2017</a:t>
             </a:fld>
             <a:endParaRPr lang="en-US"/>
           </a:p>
@@ -7858,7 +7857,7 @@
           <a:p>
             <a:fld id="{BD8521E8-9297-400B-AD8C-0A4D05699D33}" type="datetime1">
               <a:rPr lang="en-US" altLang="zh-CN" smtClean="0"/>
-              <a:t>8/22/2017</a:t>
+              <a:t>8/31/2017</a:t>
             </a:fld>
             <a:endParaRPr lang="en-US"/>
           </a:p>
@@ -7961,7 +7960,7 @@
           <a:p>
             <a:fld id="{EF452D9C-F9EB-4417-9C3A-C876C2AF9415}" type="datetime1">
               <a:rPr lang="zh-CN" altLang="en-US" smtClean="0"/>
-              <a:t>2017/8/22</a:t>
+              <a:t>2017/8/31</a:t>
             </a:fld>
             <a:endParaRPr lang="zh-CN" altLang="en-US"/>
           </a:p>
@@ -8147,7 +8146,7 @@
           <a:p>
             <a:fld id="{2F2E9289-9B4C-49AE-BDDA-70D6EDC89D17}" type="datetime1">
               <a:rPr lang="zh-CN" altLang="en-US" smtClean="0"/>
-              <a:t>2017/8/22</a:t>
+              <a:t>2017/8/31</a:t>
             </a:fld>
             <a:endParaRPr lang="zh-CN" altLang="en-US"/>
           </a:p>
@@ -8317,7 +8316,7 @@
           <a:p>
             <a:fld id="{2F2E9289-9B4C-49AE-BDDA-70D6EDC89D17}" type="datetime1">
               <a:rPr lang="zh-CN" altLang="en-US" smtClean="0"/>
-              <a:t>2017/8/22</a:t>
+              <a:t>2017/8/31</a:t>
             </a:fld>
             <a:endParaRPr lang="zh-CN" altLang="en-US"/>
           </a:p>
@@ -8553,7 +8552,7 @@
           <a:p>
             <a:fld id="{8C5BA751-A251-47D6-8494-C134D9EBED5F}" type="datetime1">
               <a:rPr lang="zh-CN" altLang="en-US" smtClean="0"/>
-              <a:t>2017/8/22</a:t>
+              <a:t>2017/8/31</a:t>
             </a:fld>
             <a:endParaRPr lang="zh-CN" altLang="en-US"/>
           </a:p>
@@ -8909,7 +8908,7 @@
           <a:p>
             <a:fld id="{C46E2078-F302-4651-A2A2-2FC6C4E1A3F1}" type="datetime1">
               <a:rPr lang="zh-CN" altLang="en-US" smtClean="0"/>
-              <a:t>2017/8/22</a:t>
+              <a:t>2017/8/31</a:t>
             </a:fld>
             <a:endParaRPr lang="zh-CN" altLang="en-US"/>
           </a:p>
@@ -9031,7 +9030,7 @@
               <a:pPr>
                 <a:defRPr/>
               </a:pPr>
-              <a:t>2017/8/22</a:t>
+              <a:t>2017/8/31</a:t>
             </a:fld>
             <a:endParaRPr lang="zh-CN" altLang="en-US"/>
           </a:p>
@@ -9179,7 +9178,7 @@
           <a:p>
             <a:fld id="{A1BE0A72-8501-4974-A7B7-5BD248ABBAFC}" type="datetime1">
               <a:rPr lang="zh-CN" altLang="en-US" smtClean="0"/>
-              <a:t>2017/8/22</a:t>
+              <a:t>2017/8/31</a:t>
             </a:fld>
             <a:endParaRPr lang="zh-CN" altLang="en-US"/>
           </a:p>
@@ -9693,7 +9692,7 @@
           <a:p>
             <a:fld id="{A1BE0A72-8501-4974-A7B7-5BD248ABBAFC}" type="datetime1">
               <a:rPr lang="zh-CN" altLang="en-US" smtClean="0"/>
-              <a:t>2017/8/22</a:t>
+              <a:t>2017/8/31</a:t>
             </a:fld>
             <a:endParaRPr lang="zh-CN" altLang="en-US"/>
           </a:p>
@@ -10299,7 +10298,7 @@
           <a:p>
             <a:fld id="{7A78726F-0AD2-4A20-BC72-263D2D3F3A2F}" type="datetime1">
               <a:rPr lang="en-US" altLang="zh-CN" smtClean="0"/>
-              <a:t>8/22/2017</a:t>
+              <a:t>8/31/2017</a:t>
             </a:fld>
             <a:endParaRPr lang="en-US"/>
           </a:p>
@@ -11280,7 +11279,7 @@
           <a:p>
             <a:fld id="{A1BE0A72-8501-4974-A7B7-5BD248ABBAFC}" type="datetime1">
               <a:rPr lang="zh-CN" altLang="en-US" smtClean="0"/>
-              <a:t>2017/8/22</a:t>
+              <a:t>2017/8/31</a:t>
             </a:fld>
             <a:endParaRPr lang="zh-CN" altLang="en-US"/>
           </a:p>
@@ -11886,7 +11885,7 @@
           <a:p>
             <a:fld id="{7A78726F-0AD2-4A20-BC72-263D2D3F3A2F}" type="datetime1">
               <a:rPr lang="en-US" altLang="zh-CN" smtClean="0"/>
-              <a:t>8/22/2017</a:t>
+              <a:t>8/31/2017</a:t>
             </a:fld>
             <a:endParaRPr lang="en-US"/>
           </a:p>
@@ -12862,144 +12861,6 @@
           <a:p>
             <a:r>
               <a:rPr lang="zh-CN" altLang="en-US" b="0" dirty="0"/>
-              <a:t>数组方式输出标签</a:t>
-            </a:r>
-          </a:p>
-        </p:txBody>
-      </p:sp>
-      <p:pic>
-        <p:nvPicPr>
-          <p:cNvPr id="3" name="图片 2"/>
-          <p:cNvPicPr>
-            <a:picLocks noChangeAspect="1"/>
-          </p:cNvPicPr>
-          <p:nvPr/>
-        </p:nvPicPr>
-        <p:blipFill>
-          <a:blip r:embed="rId2">
-            <a:extLst>
-              <a:ext uri="{28A0092B-C50C-407E-A947-70E740481C1C}">
-                <a14:useLocalDpi xmlns:a14="http://schemas.microsoft.com/office/drawing/2010/main" val="0"/>
-              </a:ext>
-            </a:extLst>
-          </a:blip>
-          <a:stretch>
-            <a:fillRect/>
-          </a:stretch>
-        </p:blipFill>
-        <p:spPr>
-          <a:xfrm>
-            <a:off x="8153400" y="1671637"/>
-            <a:ext cx="3690938" cy="4488979"/>
-          </a:xfrm>
-          <a:prstGeom prst="rect">
-            <a:avLst/>
-          </a:prstGeom>
-        </p:spPr>
-      </p:pic>
-      <p:sp>
-        <p:nvSpPr>
-          <p:cNvPr id="4" name="文本框 3"/>
-          <p:cNvSpPr txBox="1"/>
-          <p:nvPr/>
-        </p:nvSpPr>
-        <p:spPr>
-          <a:xfrm>
-            <a:off x="1271587" y="1814513"/>
-            <a:ext cx="5043487" cy="1015663"/>
-          </a:xfrm>
-          <a:prstGeom prst="rect">
-            <a:avLst/>
-          </a:prstGeom>
-          <a:noFill/>
-        </p:spPr>
-        <p:txBody>
-          <a:bodyPr wrap="square" rtlCol="0">
-            <a:spAutoFit/>
-          </a:bodyPr>
-          <a:lstStyle/>
-          <a:p>
-            <a:pPr>
-              <a:lnSpc>
-                <a:spcPct val="150000"/>
-              </a:lnSpc>
-            </a:pPr>
-            <a:r>
-              <a:rPr lang="zh-CN" altLang="en-US" sz="2000" dirty="0">
-                <a:latin typeface="微软雅黑" panose="020B0503020204020204" pitchFamily="34" charset="-122"/>
-                <a:ea typeface="微软雅黑" panose="020B0503020204020204" pitchFamily="34" charset="-122"/>
-              </a:rPr>
-              <a:t>截取一部分数据，数组使用自定义的函数：</a:t>
-            </a:r>
-            <a:r>
-              <a:rPr lang="en-US" altLang="zh-CN" sz="2000" dirty="0" err="1">
-                <a:latin typeface="微软雅黑" panose="020B0503020204020204" pitchFamily="34" charset="-122"/>
-                <a:ea typeface="微软雅黑" panose="020B0503020204020204" pitchFamily="34" charset="-122"/>
-              </a:rPr>
-              <a:t>walk_arr_echo</a:t>
-            </a:r>
-            <a:r>
-              <a:rPr lang="zh-CN" altLang="en-US" sz="2000" dirty="0">
-                <a:latin typeface="微软雅黑" panose="020B0503020204020204" pitchFamily="34" charset="-122"/>
-                <a:ea typeface="微软雅黑" panose="020B0503020204020204" pitchFamily="34" charset="-122"/>
-              </a:rPr>
-              <a:t>递归输出数组信息。</a:t>
-            </a:r>
-          </a:p>
-        </p:txBody>
-      </p:sp>
-    </p:spTree>
-    <p:extLst>
-      <p:ext uri="{BB962C8B-B14F-4D97-AF65-F5344CB8AC3E}">
-        <p14:creationId xmlns:p14="http://schemas.microsoft.com/office/powerpoint/2010/main" val="1067076184"/>
-      </p:ext>
-    </p:extLst>
-  </p:cSld>
-  <p:clrMapOvr>
-    <a:masterClrMapping/>
-  </p:clrMapOvr>
-</p:sld>
-</file>
-
-<file path=ppt/slides/slide11.xml><?xml version="1.0" encoding="utf-8"?>
-<p:sld xmlns:a="http://schemas.openxmlformats.org/drawingml/2006/main" xmlns:r="http://schemas.openxmlformats.org/officeDocument/2006/relationships" xmlns:p="http://schemas.openxmlformats.org/presentationml/2006/main">
-  <p:cSld>
-    <p:spTree>
-      <p:nvGrpSpPr>
-        <p:cNvPr id="1" name=""/>
-        <p:cNvGrpSpPr/>
-        <p:nvPr/>
-      </p:nvGrpSpPr>
-      <p:grpSpPr>
-        <a:xfrm>
-          <a:off x="0" y="0"/>
-          <a:ext cx="0" cy="0"/>
-          <a:chOff x="0" y="0"/>
-          <a:chExt cx="0" cy="0"/>
-        </a:xfrm>
-      </p:grpSpPr>
-      <p:sp>
-        <p:nvSpPr>
-          <p:cNvPr id="2" name="内容占位符 1"/>
-          <p:cNvSpPr>
-            <a:spLocks noGrp="1"/>
-          </p:cNvSpPr>
-          <p:nvPr>
-            <p:ph sz="quarter" idx="13"/>
-          </p:nvPr>
-        </p:nvSpPr>
-        <p:spPr>
-          <a:xfrm>
-            <a:off x="1054099" y="543636"/>
-            <a:ext cx="5375275" cy="685800"/>
-          </a:xfrm>
-        </p:spPr>
-        <p:txBody>
-          <a:bodyPr/>
-          <a:lstStyle/>
-          <a:p>
-            <a:r>
-              <a:rPr lang="zh-CN" altLang="en-US" b="0" dirty="0"/>
               <a:t>编辑标签</a:t>
             </a:r>
           </a:p>
@@ -13134,7 +12995,7 @@
 </p:sld>
 </file>
 
-<file path=ppt/slides/slide12.xml><?xml version="1.0" encoding="utf-8"?>
+<file path=ppt/slides/slide11.xml><?xml version="1.0" encoding="utf-8"?>
 <p:sld xmlns:a="http://schemas.openxmlformats.org/drawingml/2006/main" xmlns:r="http://schemas.openxmlformats.org/officeDocument/2006/relationships" xmlns:p="http://schemas.openxmlformats.org/presentationml/2006/main">
   <p:cSld>
     <p:spTree>
@@ -13293,7 +13154,7 @@
 </p:sld>
 </file>
 
-<file path=ppt/slides/slide13.xml><?xml version="1.0" encoding="utf-8"?>
+<file path=ppt/slides/slide12.xml><?xml version="1.0" encoding="utf-8"?>
 <p:sld xmlns:a="http://schemas.openxmlformats.org/drawingml/2006/main" xmlns:r="http://schemas.openxmlformats.org/officeDocument/2006/relationships" xmlns:p="http://schemas.openxmlformats.org/presentationml/2006/main">
   <p:cSld>
     <p:spTree>
@@ -13346,7 +13207,7 @@
         <p:spPr>
           <a:xfrm>
             <a:off x="1054098" y="1743075"/>
-            <a:ext cx="10675939" cy="4401205"/>
+            <a:ext cx="10675939" cy="4708981"/>
           </a:xfrm>
           <a:prstGeom prst="rect">
             <a:avLst/>
@@ -13359,10 +13220,12 @@
           </a:bodyPr>
           <a:lstStyle/>
           <a:p>
-            <a:pPr>
+            <a:pPr marL="342900" indent="-342900">
               <a:lnSpc>
                 <a:spcPct val="150000"/>
               </a:lnSpc>
+              <a:buFont typeface="Arial" panose="020B0604020202020204" pitchFamily="34" charset="0"/>
+              <a:buChar char="•"/>
             </a:pPr>
             <a:r>
               <a:rPr lang="zh-CN" altLang="en-US" sz="2000" dirty="0">
@@ -13419,6 +13282,10 @@
             </a:endParaRPr>
           </a:p>
           <a:p>
+            <a:pPr marL="342900" indent="-342900">
+              <a:buFont typeface="Arial" panose="020B0604020202020204" pitchFamily="34" charset="0"/>
+              <a:buChar char="•"/>
+            </a:pPr>
             <a:r>
               <a:rPr lang="zh-CN" altLang="en-US" sz="2000" dirty="0">
                 <a:latin typeface="微软雅黑" panose="020B0503020204020204" pitchFamily="34" charset="-122"/>
@@ -13426,6 +13293,13 @@
               </a:rPr>
               <a:t>接口：</a:t>
             </a:r>
+            <a:endParaRPr lang="en-US" altLang="zh-CN" sz="2000" dirty="0">
+              <a:latin typeface="微软雅黑" panose="020B0503020204020204" pitchFamily="34" charset="-122"/>
+              <a:ea typeface="微软雅黑" panose="020B0503020204020204" pitchFamily="34" charset="-122"/>
+            </a:endParaRPr>
+          </a:p>
+          <a:p>
+            <a:pPr lvl="1"/>
             <a:r>
               <a:rPr lang="sv-SE" altLang="zh-CN" sz="2000" dirty="0">
                 <a:latin typeface="微软雅黑" panose="020B0503020204020204" pitchFamily="34" charset="-122"/>
@@ -13435,6 +13309,7 @@
             </a:r>
           </a:p>
           <a:p>
+            <a:pPr lvl="1"/>
             <a:r>
               <a:rPr lang="sv-SE" altLang="zh-CN" sz="2000" dirty="0">
                 <a:latin typeface="微软雅黑" panose="020B0503020204020204" pitchFamily="34" charset="-122"/>
@@ -13458,6 +13333,7 @@
             </a:r>
           </a:p>
           <a:p>
+            <a:pPr lvl="1"/>
             <a:r>
               <a:rPr lang="sv-SE" altLang="zh-CN" sz="2000" dirty="0">
                 <a:latin typeface="微软雅黑" panose="020B0503020204020204" pitchFamily="34" charset="-122"/>
@@ -13474,6 +13350,7 @@
             </a:r>
           </a:p>
           <a:p>
+            <a:pPr lvl="1"/>
             <a:r>
               <a:rPr lang="sv-SE" altLang="zh-CN" sz="2000" dirty="0">
                 <a:latin typeface="微软雅黑" panose="020B0503020204020204" pitchFamily="34" charset="-122"/>
@@ -13483,6 +13360,7 @@
             </a:r>
           </a:p>
           <a:p>
+            <a:pPr lvl="1"/>
             <a:r>
               <a:rPr lang="sv-SE" altLang="zh-CN" sz="2000" dirty="0">
                 <a:latin typeface="微软雅黑" panose="020B0503020204020204" pitchFamily="34" charset="-122"/>
@@ -13492,6 +13370,7 @@
             </a:r>
           </a:p>
           <a:p>
+            <a:pPr lvl="1"/>
             <a:r>
               <a:rPr lang="sv-SE" altLang="zh-CN" sz="2000" dirty="0">
                 <a:latin typeface="微软雅黑" panose="020B0503020204020204" pitchFamily="34" charset="-122"/>
@@ -13501,6 +13380,7 @@
             </a:r>
           </a:p>
           <a:p>
+            <a:pPr lvl="1"/>
             <a:r>
               <a:rPr lang="sv-SE" altLang="zh-CN" sz="2000" dirty="0">
                 <a:latin typeface="微软雅黑" panose="020B0503020204020204" pitchFamily="34" charset="-122"/>
@@ -13510,6 +13390,7 @@
             </a:r>
           </a:p>
           <a:p>
+            <a:pPr lvl="1"/>
             <a:r>
               <a:rPr lang="sv-SE" altLang="zh-CN" sz="2000" dirty="0">
                 <a:latin typeface="微软雅黑" panose="020B0503020204020204" pitchFamily="34" charset="-122"/>
@@ -13544,7 +13425,7 @@
 </p:sld>
 </file>
 
-<file path=ppt/slides/slide14.xml><?xml version="1.0" encoding="utf-8"?>
+<file path=ppt/slides/slide13.xml><?xml version="1.0" encoding="utf-8"?>
 <p:sld xmlns:a="http://schemas.openxmlformats.org/drawingml/2006/main" xmlns:r="http://schemas.openxmlformats.org/officeDocument/2006/relationships" xmlns:p="http://schemas.openxmlformats.org/presentationml/2006/main">
   <p:cSld>
     <p:spTree>
@@ -13698,6 +13579,175 @@
 </p:sld>
 </file>
 
+<file path=ppt/slides/slide14.xml><?xml version="1.0" encoding="utf-8"?>
+<p:sld xmlns:a="http://schemas.openxmlformats.org/drawingml/2006/main" xmlns:r="http://schemas.openxmlformats.org/officeDocument/2006/relationships" xmlns:p="http://schemas.openxmlformats.org/presentationml/2006/main">
+  <p:cSld>
+    <p:spTree>
+      <p:nvGrpSpPr>
+        <p:cNvPr id="1" name=""/>
+        <p:cNvGrpSpPr/>
+        <p:nvPr/>
+      </p:nvGrpSpPr>
+      <p:grpSpPr>
+        <a:xfrm>
+          <a:off x="0" y="0"/>
+          <a:ext cx="0" cy="0"/>
+          <a:chOff x="0" y="0"/>
+          <a:chExt cx="0" cy="0"/>
+        </a:xfrm>
+      </p:grpSpPr>
+      <p:sp>
+        <p:nvSpPr>
+          <p:cNvPr id="2" name="内容占位符 1"/>
+          <p:cNvSpPr>
+            <a:spLocks noGrp="1"/>
+          </p:cNvSpPr>
+          <p:nvPr>
+            <p:ph sz="quarter" idx="13"/>
+          </p:nvPr>
+        </p:nvSpPr>
+        <p:spPr/>
+        <p:txBody>
+          <a:bodyPr/>
+          <a:lstStyle/>
+          <a:p>
+            <a:r>
+              <a:rPr lang="zh-CN" altLang="en-US" dirty="0"/>
+              <a:t>第二讲</a:t>
+            </a:r>
+          </a:p>
+        </p:txBody>
+      </p:sp>
+      <p:sp>
+        <p:nvSpPr>
+          <p:cNvPr id="5" name="文本框 4"/>
+          <p:cNvSpPr txBox="1"/>
+          <p:nvPr/>
+        </p:nvSpPr>
+        <p:spPr>
+          <a:xfrm>
+            <a:off x="4144169" y="2571752"/>
+            <a:ext cx="5385594" cy="2062103"/>
+          </a:xfrm>
+          <a:prstGeom prst="rect">
+            <a:avLst/>
+          </a:prstGeom>
+          <a:noFill/>
+        </p:spPr>
+        <p:txBody>
+          <a:bodyPr wrap="square" rtlCol="0">
+            <a:spAutoFit/>
+          </a:bodyPr>
+          <a:lstStyle/>
+          <a:p>
+            <a:pPr marL="514350" indent="-514350">
+              <a:lnSpc>
+                <a:spcPct val="200000"/>
+              </a:lnSpc>
+              <a:buFont typeface="+mj-ea"/>
+              <a:buAutoNum type="ea1JpnChsDbPeriod"/>
+            </a:pPr>
+            <a:r>
+              <a:rPr lang="zh-CN" altLang="en-US" sz="2000" dirty="0">
+                <a:solidFill>
+                  <a:schemeClr val="tx1">
+                    <a:lumMod val="65000"/>
+                    <a:lumOff val="35000"/>
+                  </a:schemeClr>
+                </a:solidFill>
+                <a:latin typeface="微软雅黑" panose="020B0503020204020204" pitchFamily="34" charset="-122"/>
+                <a:ea typeface="微软雅黑" panose="020B0503020204020204" pitchFamily="34" charset="-122"/>
+              </a:rPr>
+              <a:t>标签管理</a:t>
+            </a:r>
+            <a:endParaRPr lang="en-US" altLang="zh-CN" sz="2000" dirty="0">
+              <a:solidFill>
+                <a:schemeClr val="tx1">
+                  <a:lumMod val="65000"/>
+                  <a:lumOff val="35000"/>
+                </a:schemeClr>
+              </a:solidFill>
+              <a:latin typeface="微软雅黑" panose="020B0503020204020204" pitchFamily="34" charset="-122"/>
+              <a:ea typeface="微软雅黑" panose="020B0503020204020204" pitchFamily="34" charset="-122"/>
+            </a:endParaRPr>
+          </a:p>
+          <a:p>
+            <a:pPr marL="514350" indent="-514350">
+              <a:lnSpc>
+                <a:spcPct val="200000"/>
+              </a:lnSpc>
+              <a:buFont typeface="+mj-ea"/>
+              <a:buAutoNum type="ea1JpnChsDbPeriod"/>
+            </a:pPr>
+            <a:r>
+              <a:rPr lang="zh-CN" altLang="en-US" sz="2400" dirty="0">
+                <a:solidFill>
+                  <a:schemeClr val="accent6">
+                    <a:lumMod val="75000"/>
+                  </a:schemeClr>
+                </a:solidFill>
+                <a:latin typeface="微软雅黑" panose="020B0503020204020204" pitchFamily="34" charset="-122"/>
+                <a:ea typeface="微软雅黑" panose="020B0503020204020204" pitchFamily="34" charset="-122"/>
+              </a:rPr>
+              <a:t>用户标签</a:t>
+            </a:r>
+            <a:endParaRPr lang="en-US" altLang="zh-CN" sz="2400" dirty="0">
+              <a:solidFill>
+                <a:schemeClr val="accent6">
+                  <a:lumMod val="75000"/>
+                </a:schemeClr>
+              </a:solidFill>
+              <a:latin typeface="微软雅黑" panose="020B0503020204020204" pitchFamily="34" charset="-122"/>
+              <a:ea typeface="微软雅黑" panose="020B0503020204020204" pitchFamily="34" charset="-122"/>
+            </a:endParaRPr>
+          </a:p>
+          <a:p>
+            <a:pPr marL="514350" indent="-514350">
+              <a:lnSpc>
+                <a:spcPct val="200000"/>
+              </a:lnSpc>
+              <a:buFont typeface="+mj-ea"/>
+              <a:buAutoNum type="ea1JpnChsDbPeriod"/>
+            </a:pPr>
+            <a:r>
+              <a:rPr lang="zh-CN" altLang="en-US" sz="2000" dirty="0">
+                <a:solidFill>
+                  <a:schemeClr val="tx1">
+                    <a:lumMod val="65000"/>
+                    <a:lumOff val="35000"/>
+                  </a:schemeClr>
+                </a:solidFill>
+                <a:latin typeface="微软雅黑" panose="020B0503020204020204" pitchFamily="34" charset="-122"/>
+                <a:ea typeface="微软雅黑" panose="020B0503020204020204" pitchFamily="34" charset="-122"/>
+              </a:rPr>
+              <a:t>用户列表与信息</a:t>
+            </a:r>
+            <a:endParaRPr lang="en-US" altLang="zh-CN" sz="2000" dirty="0">
+              <a:solidFill>
+                <a:schemeClr val="tx1">
+                  <a:lumMod val="65000"/>
+                  <a:lumOff val="35000"/>
+                </a:schemeClr>
+              </a:solidFill>
+              <a:latin typeface="微软雅黑" panose="020B0503020204020204" pitchFamily="34" charset="-122"/>
+              <a:ea typeface="微软雅黑" panose="020B0503020204020204" pitchFamily="34" charset="-122"/>
+            </a:endParaRPr>
+          </a:p>
+        </p:txBody>
+      </p:sp>
+    </p:spTree>
+    <p:extLst>
+      <p:ext uri="{BB962C8B-B14F-4D97-AF65-F5344CB8AC3E}">
+        <p14:creationId xmlns:p14="http://schemas.microsoft.com/office/powerpoint/2010/main" val="2999457395"/>
+      </p:ext>
+    </p:extLst>
+  </p:cSld>
+  <p:clrMapOvr>
+    <a:masterClrMapping/>
+  </p:clrMapOvr>
+</p:sld>
+</file>
+
 <file path=ppt/slides/slide15.xml><?xml version="1.0" encoding="utf-8"?>
 <p:sld xmlns:a="http://schemas.openxmlformats.org/drawingml/2006/main" xmlns:r="http://schemas.openxmlformats.org/officeDocument/2006/relationships" xmlns:p="http://schemas.openxmlformats.org/presentationml/2006/main">
   <p:cSld>
@@ -13717,175 +13767,6 @@
       </p:grpSpPr>
       <p:sp>
         <p:nvSpPr>
-          <p:cNvPr id="2" name="内容占位符 1"/>
-          <p:cNvSpPr>
-            <a:spLocks noGrp="1"/>
-          </p:cNvSpPr>
-          <p:nvPr>
-            <p:ph sz="quarter" idx="13"/>
-          </p:nvPr>
-        </p:nvSpPr>
-        <p:spPr/>
-        <p:txBody>
-          <a:bodyPr/>
-          <a:lstStyle/>
-          <a:p>
-            <a:r>
-              <a:rPr lang="zh-CN" altLang="en-US" dirty="0"/>
-              <a:t>第二讲</a:t>
-            </a:r>
-          </a:p>
-        </p:txBody>
-      </p:sp>
-      <p:sp>
-        <p:nvSpPr>
-          <p:cNvPr id="5" name="文本框 4"/>
-          <p:cNvSpPr txBox="1"/>
-          <p:nvPr/>
-        </p:nvSpPr>
-        <p:spPr>
-          <a:xfrm>
-            <a:off x="4144169" y="2571752"/>
-            <a:ext cx="5385594" cy="2062103"/>
-          </a:xfrm>
-          <a:prstGeom prst="rect">
-            <a:avLst/>
-          </a:prstGeom>
-          <a:noFill/>
-        </p:spPr>
-        <p:txBody>
-          <a:bodyPr wrap="square" rtlCol="0">
-            <a:spAutoFit/>
-          </a:bodyPr>
-          <a:lstStyle/>
-          <a:p>
-            <a:pPr marL="514350" indent="-514350">
-              <a:lnSpc>
-                <a:spcPct val="200000"/>
-              </a:lnSpc>
-              <a:buFont typeface="+mj-ea"/>
-              <a:buAutoNum type="ea1JpnChsDbPeriod"/>
-            </a:pPr>
-            <a:r>
-              <a:rPr lang="zh-CN" altLang="en-US" sz="2000" dirty="0">
-                <a:solidFill>
-                  <a:schemeClr val="tx1">
-                    <a:lumMod val="65000"/>
-                    <a:lumOff val="35000"/>
-                  </a:schemeClr>
-                </a:solidFill>
-                <a:latin typeface="微软雅黑" panose="020B0503020204020204" pitchFamily="34" charset="-122"/>
-                <a:ea typeface="微软雅黑" panose="020B0503020204020204" pitchFamily="34" charset="-122"/>
-              </a:rPr>
-              <a:t>标签管理</a:t>
-            </a:r>
-            <a:endParaRPr lang="en-US" altLang="zh-CN" sz="2000" dirty="0">
-              <a:solidFill>
-                <a:schemeClr val="tx1">
-                  <a:lumMod val="65000"/>
-                  <a:lumOff val="35000"/>
-                </a:schemeClr>
-              </a:solidFill>
-              <a:latin typeface="微软雅黑" panose="020B0503020204020204" pitchFamily="34" charset="-122"/>
-              <a:ea typeface="微软雅黑" panose="020B0503020204020204" pitchFamily="34" charset="-122"/>
-            </a:endParaRPr>
-          </a:p>
-          <a:p>
-            <a:pPr marL="514350" indent="-514350">
-              <a:lnSpc>
-                <a:spcPct val="200000"/>
-              </a:lnSpc>
-              <a:buFont typeface="+mj-ea"/>
-              <a:buAutoNum type="ea1JpnChsDbPeriod"/>
-            </a:pPr>
-            <a:r>
-              <a:rPr lang="zh-CN" altLang="en-US" sz="2400" dirty="0">
-                <a:solidFill>
-                  <a:schemeClr val="accent6">
-                    <a:lumMod val="75000"/>
-                  </a:schemeClr>
-                </a:solidFill>
-                <a:latin typeface="微软雅黑" panose="020B0503020204020204" pitchFamily="34" charset="-122"/>
-                <a:ea typeface="微软雅黑" panose="020B0503020204020204" pitchFamily="34" charset="-122"/>
-              </a:rPr>
-              <a:t>用户标签</a:t>
-            </a:r>
-            <a:endParaRPr lang="en-US" altLang="zh-CN" sz="2400" dirty="0">
-              <a:solidFill>
-                <a:schemeClr val="accent6">
-                  <a:lumMod val="75000"/>
-                </a:schemeClr>
-              </a:solidFill>
-              <a:latin typeface="微软雅黑" panose="020B0503020204020204" pitchFamily="34" charset="-122"/>
-              <a:ea typeface="微软雅黑" panose="020B0503020204020204" pitchFamily="34" charset="-122"/>
-            </a:endParaRPr>
-          </a:p>
-          <a:p>
-            <a:pPr marL="514350" indent="-514350">
-              <a:lnSpc>
-                <a:spcPct val="200000"/>
-              </a:lnSpc>
-              <a:buFont typeface="+mj-ea"/>
-              <a:buAutoNum type="ea1JpnChsDbPeriod"/>
-            </a:pPr>
-            <a:r>
-              <a:rPr lang="zh-CN" altLang="en-US" sz="2000" dirty="0">
-                <a:solidFill>
-                  <a:schemeClr val="tx1">
-                    <a:lumMod val="65000"/>
-                    <a:lumOff val="35000"/>
-                  </a:schemeClr>
-                </a:solidFill>
-                <a:latin typeface="微软雅黑" panose="020B0503020204020204" pitchFamily="34" charset="-122"/>
-                <a:ea typeface="微软雅黑" panose="020B0503020204020204" pitchFamily="34" charset="-122"/>
-              </a:rPr>
-              <a:t>用户列表与信息</a:t>
-            </a:r>
-            <a:endParaRPr lang="en-US" altLang="zh-CN" sz="2000" dirty="0">
-              <a:solidFill>
-                <a:schemeClr val="tx1">
-                  <a:lumMod val="65000"/>
-                  <a:lumOff val="35000"/>
-                </a:schemeClr>
-              </a:solidFill>
-              <a:latin typeface="微软雅黑" panose="020B0503020204020204" pitchFamily="34" charset="-122"/>
-              <a:ea typeface="微软雅黑" panose="020B0503020204020204" pitchFamily="34" charset="-122"/>
-            </a:endParaRPr>
-          </a:p>
-        </p:txBody>
-      </p:sp>
-    </p:spTree>
-    <p:extLst>
-      <p:ext uri="{BB962C8B-B14F-4D97-AF65-F5344CB8AC3E}">
-        <p14:creationId xmlns:p14="http://schemas.microsoft.com/office/powerpoint/2010/main" val="2999457395"/>
-      </p:ext>
-    </p:extLst>
-  </p:cSld>
-  <p:clrMapOvr>
-    <a:masterClrMapping/>
-  </p:clrMapOvr>
-</p:sld>
-</file>
-
-<file path=ppt/slides/slide16.xml><?xml version="1.0" encoding="utf-8"?>
-<p:sld xmlns:a="http://schemas.openxmlformats.org/drawingml/2006/main" xmlns:r="http://schemas.openxmlformats.org/officeDocument/2006/relationships" xmlns:p="http://schemas.openxmlformats.org/presentationml/2006/main">
-  <p:cSld>
-    <p:spTree>
-      <p:nvGrpSpPr>
-        <p:cNvPr id="1" name=""/>
-        <p:cNvGrpSpPr/>
-        <p:nvPr/>
-      </p:nvGrpSpPr>
-      <p:grpSpPr>
-        <a:xfrm>
-          <a:off x="0" y="0"/>
-          <a:ext cx="0" cy="0"/>
-          <a:chOff x="0" y="0"/>
-          <a:chExt cx="0" cy="0"/>
-        </a:xfrm>
-      </p:grpSpPr>
-      <p:sp>
-        <p:nvSpPr>
           <p:cNvPr id="3" name="内容占位符 2"/>
           <p:cNvSpPr>
             <a:spLocks noGrp="1"/>
@@ -14133,7 +14014,7 @@
 </p:sld>
 </file>
 
-<file path=ppt/slides/slide17.xml><?xml version="1.0" encoding="utf-8"?>
+<file path=ppt/slides/slide16.xml><?xml version="1.0" encoding="utf-8"?>
 <p:sld xmlns:a="http://schemas.openxmlformats.org/drawingml/2006/main" xmlns:r="http://schemas.openxmlformats.org/officeDocument/2006/relationships" xmlns:p="http://schemas.openxmlformats.org/presentationml/2006/main">
   <p:cSld>
     <p:spTree>
@@ -14291,7 +14172,7 @@
 </p:sld>
 </file>
 
-<file path=ppt/slides/slide18.xml><?xml version="1.0" encoding="utf-8"?>
+<file path=ppt/slides/slide17.xml><?xml version="1.0" encoding="utf-8"?>
 <p:sld xmlns:a="http://schemas.openxmlformats.org/drawingml/2006/main" xmlns:r="http://schemas.openxmlformats.org/officeDocument/2006/relationships" xmlns:p="http://schemas.openxmlformats.org/presentationml/2006/main">
   <p:cSld>
     <p:spTree>
@@ -14552,7 +14433,7 @@
 </p:sld>
 </file>
 
-<file path=ppt/slides/slide19.xml><?xml version="1.0" encoding="utf-8"?>
+<file path=ppt/slides/slide18.xml><?xml version="1.0" encoding="utf-8"?>
 <p:sld xmlns:a="http://schemas.openxmlformats.org/drawingml/2006/main" xmlns:r="http://schemas.openxmlformats.org/officeDocument/2006/relationships" xmlns:p="http://schemas.openxmlformats.org/presentationml/2006/main">
   <p:cSld>
     <p:spTree>
@@ -14639,178 +14520,7 @@
 </p:sld>
 </file>
 
-<file path=ppt/slides/slide2.xml><?xml version="1.0" encoding="utf-8"?>
-<p:sld xmlns:a="http://schemas.openxmlformats.org/drawingml/2006/main" xmlns:r="http://schemas.openxmlformats.org/officeDocument/2006/relationships" xmlns:p="http://schemas.openxmlformats.org/presentationml/2006/main">
-  <p:cSld>
-    <p:spTree>
-      <p:nvGrpSpPr>
-        <p:cNvPr id="1" name=""/>
-        <p:cNvGrpSpPr/>
-        <p:nvPr/>
-      </p:nvGrpSpPr>
-      <p:grpSpPr>
-        <a:xfrm>
-          <a:off x="0" y="0"/>
-          <a:ext cx="0" cy="0"/>
-          <a:chOff x="0" y="0"/>
-          <a:chExt cx="0" cy="0"/>
-        </a:xfrm>
-      </p:grpSpPr>
-      <p:sp>
-        <p:nvSpPr>
-          <p:cNvPr id="2" name="内容占位符 1"/>
-          <p:cNvSpPr>
-            <a:spLocks noGrp="1"/>
-          </p:cNvSpPr>
-          <p:nvPr>
-            <p:ph sz="quarter" idx="13"/>
-          </p:nvPr>
-        </p:nvSpPr>
-        <p:spPr/>
-        <p:txBody>
-          <a:bodyPr/>
-          <a:lstStyle/>
-          <a:p>
-            <a:r>
-              <a:rPr lang="zh-CN" altLang="en-US" b="0" dirty="0"/>
-              <a:t>本次课程目录</a:t>
-            </a:r>
-          </a:p>
-        </p:txBody>
-      </p:sp>
-      <p:sp>
-        <p:nvSpPr>
-          <p:cNvPr id="4" name="文本框 3"/>
-          <p:cNvSpPr txBox="1"/>
-          <p:nvPr/>
-        </p:nvSpPr>
-        <p:spPr>
-          <a:xfrm>
-            <a:off x="4058444" y="2343152"/>
-            <a:ext cx="5385594" cy="2308324"/>
-          </a:xfrm>
-          <a:prstGeom prst="rect">
-            <a:avLst/>
-          </a:prstGeom>
-          <a:noFill/>
-        </p:spPr>
-        <p:txBody>
-          <a:bodyPr wrap="square" rtlCol="0">
-            <a:spAutoFit/>
-          </a:bodyPr>
-          <a:lstStyle/>
-          <a:p>
-            <a:pPr marL="514350" indent="-514350">
-              <a:lnSpc>
-                <a:spcPct val="200000"/>
-              </a:lnSpc>
-              <a:buFont typeface="+mj-ea"/>
-              <a:buAutoNum type="ea1JpnChsDbPeriod"/>
-            </a:pPr>
-            <a:r>
-              <a:rPr lang="zh-CN" altLang="en-US" sz="2400" dirty="0">
-                <a:solidFill>
-                  <a:schemeClr val="tx1">
-                    <a:lumMod val="65000"/>
-                    <a:lumOff val="35000"/>
-                  </a:schemeClr>
-                </a:solidFill>
-                <a:latin typeface="微软雅黑" panose="020B0503020204020204" pitchFamily="34" charset="-122"/>
-                <a:ea typeface="微软雅黑" panose="020B0503020204020204" pitchFamily="34" charset="-122"/>
-              </a:rPr>
-              <a:t>标签管理</a:t>
-            </a:r>
-            <a:endParaRPr lang="en-US" altLang="zh-CN" sz="2400" dirty="0">
-              <a:solidFill>
-                <a:schemeClr val="tx1">
-                  <a:lumMod val="65000"/>
-                  <a:lumOff val="35000"/>
-                </a:schemeClr>
-              </a:solidFill>
-              <a:latin typeface="微软雅黑" panose="020B0503020204020204" pitchFamily="34" charset="-122"/>
-              <a:ea typeface="微软雅黑" panose="020B0503020204020204" pitchFamily="34" charset="-122"/>
-            </a:endParaRPr>
-          </a:p>
-          <a:p>
-            <a:pPr marL="514350" indent="-514350">
-              <a:lnSpc>
-                <a:spcPct val="200000"/>
-              </a:lnSpc>
-              <a:buFont typeface="+mj-ea"/>
-              <a:buAutoNum type="ea1JpnChsDbPeriod"/>
-            </a:pPr>
-            <a:r>
-              <a:rPr lang="zh-CN" altLang="en-US" sz="2400" dirty="0">
-                <a:solidFill>
-                  <a:schemeClr val="tx1">
-                    <a:lumMod val="65000"/>
-                    <a:lumOff val="35000"/>
-                  </a:schemeClr>
-                </a:solidFill>
-                <a:latin typeface="微软雅黑" panose="020B0503020204020204" pitchFamily="34" charset="-122"/>
-                <a:ea typeface="微软雅黑" panose="020B0503020204020204" pitchFamily="34" charset="-122"/>
-              </a:rPr>
-              <a:t>用户标签</a:t>
-            </a:r>
-            <a:endParaRPr lang="en-US" altLang="zh-CN" sz="2400" dirty="0">
-              <a:solidFill>
-                <a:schemeClr val="tx1">
-                  <a:lumMod val="65000"/>
-                  <a:lumOff val="35000"/>
-                </a:schemeClr>
-              </a:solidFill>
-              <a:latin typeface="微软雅黑" panose="020B0503020204020204" pitchFamily="34" charset="-122"/>
-              <a:ea typeface="微软雅黑" panose="020B0503020204020204" pitchFamily="34" charset="-122"/>
-            </a:endParaRPr>
-          </a:p>
-          <a:p>
-            <a:pPr marL="514350" indent="-514350">
-              <a:lnSpc>
-                <a:spcPct val="200000"/>
-              </a:lnSpc>
-              <a:buFont typeface="+mj-ea"/>
-              <a:buAutoNum type="ea1JpnChsDbPeriod"/>
-            </a:pPr>
-            <a:r>
-              <a:rPr lang="zh-CN" altLang="en-US" sz="2400" dirty="0">
-                <a:solidFill>
-                  <a:schemeClr val="tx1">
-                    <a:lumMod val="65000"/>
-                    <a:lumOff val="35000"/>
-                  </a:schemeClr>
-                </a:solidFill>
-                <a:latin typeface="微软雅黑" panose="020B0503020204020204" pitchFamily="34" charset="-122"/>
-                <a:ea typeface="微软雅黑" panose="020B0503020204020204" pitchFamily="34" charset="-122"/>
-              </a:rPr>
-              <a:t>用户列表与信息</a:t>
-            </a:r>
-            <a:endParaRPr lang="en-US" altLang="zh-CN" sz="2400" dirty="0">
-              <a:solidFill>
-                <a:schemeClr val="tx1">
-                  <a:lumMod val="65000"/>
-                  <a:lumOff val="35000"/>
-                </a:schemeClr>
-              </a:solidFill>
-              <a:latin typeface="微软雅黑" panose="020B0503020204020204" pitchFamily="34" charset="-122"/>
-              <a:ea typeface="微软雅黑" panose="020B0503020204020204" pitchFamily="34" charset="-122"/>
-            </a:endParaRPr>
-          </a:p>
-        </p:txBody>
-      </p:sp>
-    </p:spTree>
-    <p:extLst>
-      <p:ext uri="{BB962C8B-B14F-4D97-AF65-F5344CB8AC3E}">
-        <p14:creationId xmlns:p14="http://schemas.microsoft.com/office/powerpoint/2010/main" val="714534542"/>
-      </p:ext>
-    </p:extLst>
-  </p:cSld>
-  <p:clrMapOvr>
-    <a:masterClrMapping/>
-  </p:clrMapOvr>
-</p:sld>
-</file>
-
-<file path=ppt/slides/slide20.xml><?xml version="1.0" encoding="utf-8"?>
+<file path=ppt/slides/slide19.xml><?xml version="1.0" encoding="utf-8"?>
 <p:sld xmlns:a="http://schemas.openxmlformats.org/drawingml/2006/main" xmlns:r="http://schemas.openxmlformats.org/officeDocument/2006/relationships" xmlns:p="http://schemas.openxmlformats.org/presentationml/2006/main">
   <p:cSld>
     <p:spTree>
@@ -14897,7 +14607,7 @@
 </p:sld>
 </file>
 
-<file path=ppt/slides/slide21.xml><?xml version="1.0" encoding="utf-8"?>
+<file path=ppt/slides/slide2.xml><?xml version="1.0" encoding="utf-8"?>
 <p:sld xmlns:a="http://schemas.openxmlformats.org/drawingml/2006/main" xmlns:r="http://schemas.openxmlformats.org/officeDocument/2006/relationships" xmlns:p="http://schemas.openxmlformats.org/presentationml/2006/main">
   <p:cSld>
     <p:spTree>
@@ -14924,6 +14634,177 @@
             <p:ph sz="quarter" idx="13"/>
           </p:nvPr>
         </p:nvSpPr>
+        <p:spPr/>
+        <p:txBody>
+          <a:bodyPr/>
+          <a:lstStyle/>
+          <a:p>
+            <a:r>
+              <a:rPr lang="zh-CN" altLang="en-US" b="0" dirty="0"/>
+              <a:t>本次课程目录</a:t>
+            </a:r>
+          </a:p>
+        </p:txBody>
+      </p:sp>
+      <p:sp>
+        <p:nvSpPr>
+          <p:cNvPr id="4" name="文本框 3"/>
+          <p:cNvSpPr txBox="1"/>
+          <p:nvPr/>
+        </p:nvSpPr>
+        <p:spPr>
+          <a:xfrm>
+            <a:off x="4058444" y="2343152"/>
+            <a:ext cx="5385594" cy="2308324"/>
+          </a:xfrm>
+          <a:prstGeom prst="rect">
+            <a:avLst/>
+          </a:prstGeom>
+          <a:noFill/>
+        </p:spPr>
+        <p:txBody>
+          <a:bodyPr wrap="square" rtlCol="0">
+            <a:spAutoFit/>
+          </a:bodyPr>
+          <a:lstStyle/>
+          <a:p>
+            <a:pPr marL="514350" indent="-514350">
+              <a:lnSpc>
+                <a:spcPct val="200000"/>
+              </a:lnSpc>
+              <a:buFont typeface="+mj-ea"/>
+              <a:buAutoNum type="ea1JpnChsDbPeriod"/>
+            </a:pPr>
+            <a:r>
+              <a:rPr lang="zh-CN" altLang="en-US" sz="2400" dirty="0">
+                <a:solidFill>
+                  <a:schemeClr val="tx1">
+                    <a:lumMod val="65000"/>
+                    <a:lumOff val="35000"/>
+                  </a:schemeClr>
+                </a:solidFill>
+                <a:latin typeface="微软雅黑" panose="020B0503020204020204" pitchFamily="34" charset="-122"/>
+                <a:ea typeface="微软雅黑" panose="020B0503020204020204" pitchFamily="34" charset="-122"/>
+              </a:rPr>
+              <a:t>标签管理</a:t>
+            </a:r>
+            <a:endParaRPr lang="en-US" altLang="zh-CN" sz="2400" dirty="0">
+              <a:solidFill>
+                <a:schemeClr val="tx1">
+                  <a:lumMod val="65000"/>
+                  <a:lumOff val="35000"/>
+                </a:schemeClr>
+              </a:solidFill>
+              <a:latin typeface="微软雅黑" panose="020B0503020204020204" pitchFamily="34" charset="-122"/>
+              <a:ea typeface="微软雅黑" panose="020B0503020204020204" pitchFamily="34" charset="-122"/>
+            </a:endParaRPr>
+          </a:p>
+          <a:p>
+            <a:pPr marL="514350" indent="-514350">
+              <a:lnSpc>
+                <a:spcPct val="200000"/>
+              </a:lnSpc>
+              <a:buFont typeface="+mj-ea"/>
+              <a:buAutoNum type="ea1JpnChsDbPeriod"/>
+            </a:pPr>
+            <a:r>
+              <a:rPr lang="zh-CN" altLang="en-US" sz="2400" dirty="0">
+                <a:solidFill>
+                  <a:schemeClr val="tx1">
+                    <a:lumMod val="65000"/>
+                    <a:lumOff val="35000"/>
+                  </a:schemeClr>
+                </a:solidFill>
+                <a:latin typeface="微软雅黑" panose="020B0503020204020204" pitchFamily="34" charset="-122"/>
+                <a:ea typeface="微软雅黑" panose="020B0503020204020204" pitchFamily="34" charset="-122"/>
+              </a:rPr>
+              <a:t>用户标签</a:t>
+            </a:r>
+            <a:endParaRPr lang="en-US" altLang="zh-CN" sz="2400" dirty="0">
+              <a:solidFill>
+                <a:schemeClr val="tx1">
+                  <a:lumMod val="65000"/>
+                  <a:lumOff val="35000"/>
+                </a:schemeClr>
+              </a:solidFill>
+              <a:latin typeface="微软雅黑" panose="020B0503020204020204" pitchFamily="34" charset="-122"/>
+              <a:ea typeface="微软雅黑" panose="020B0503020204020204" pitchFamily="34" charset="-122"/>
+            </a:endParaRPr>
+          </a:p>
+          <a:p>
+            <a:pPr marL="514350" indent="-514350">
+              <a:lnSpc>
+                <a:spcPct val="200000"/>
+              </a:lnSpc>
+              <a:buFont typeface="+mj-ea"/>
+              <a:buAutoNum type="ea1JpnChsDbPeriod"/>
+            </a:pPr>
+            <a:r>
+              <a:rPr lang="zh-CN" altLang="en-US" sz="2400" dirty="0">
+                <a:solidFill>
+                  <a:schemeClr val="tx1">
+                    <a:lumMod val="65000"/>
+                    <a:lumOff val="35000"/>
+                  </a:schemeClr>
+                </a:solidFill>
+                <a:latin typeface="微软雅黑" panose="020B0503020204020204" pitchFamily="34" charset="-122"/>
+                <a:ea typeface="微软雅黑" panose="020B0503020204020204" pitchFamily="34" charset="-122"/>
+              </a:rPr>
+              <a:t>用户列表与信息</a:t>
+            </a:r>
+            <a:endParaRPr lang="en-US" altLang="zh-CN" sz="2400" dirty="0">
+              <a:solidFill>
+                <a:schemeClr val="tx1">
+                  <a:lumMod val="65000"/>
+                  <a:lumOff val="35000"/>
+                </a:schemeClr>
+              </a:solidFill>
+              <a:latin typeface="微软雅黑" panose="020B0503020204020204" pitchFamily="34" charset="-122"/>
+              <a:ea typeface="微软雅黑" panose="020B0503020204020204" pitchFamily="34" charset="-122"/>
+            </a:endParaRPr>
+          </a:p>
+        </p:txBody>
+      </p:sp>
+    </p:spTree>
+    <p:extLst>
+      <p:ext uri="{BB962C8B-B14F-4D97-AF65-F5344CB8AC3E}">
+        <p14:creationId xmlns:p14="http://schemas.microsoft.com/office/powerpoint/2010/main" val="714534542"/>
+      </p:ext>
+    </p:extLst>
+  </p:cSld>
+  <p:clrMapOvr>
+    <a:masterClrMapping/>
+  </p:clrMapOvr>
+</p:sld>
+</file>
+
+<file path=ppt/slides/slide20.xml><?xml version="1.0" encoding="utf-8"?>
+<p:sld xmlns:a="http://schemas.openxmlformats.org/drawingml/2006/main" xmlns:r="http://schemas.openxmlformats.org/officeDocument/2006/relationships" xmlns:p="http://schemas.openxmlformats.org/presentationml/2006/main">
+  <p:cSld>
+    <p:spTree>
+      <p:nvGrpSpPr>
+        <p:cNvPr id="1" name=""/>
+        <p:cNvGrpSpPr/>
+        <p:nvPr/>
+      </p:nvGrpSpPr>
+      <p:grpSpPr>
+        <a:xfrm>
+          <a:off x="0" y="0"/>
+          <a:ext cx="0" cy="0"/>
+          <a:chOff x="0" y="0"/>
+          <a:chExt cx="0" cy="0"/>
+        </a:xfrm>
+      </p:grpSpPr>
+      <p:sp>
+        <p:nvSpPr>
+          <p:cNvPr id="2" name="内容占位符 1"/>
+          <p:cNvSpPr>
+            <a:spLocks noGrp="1"/>
+          </p:cNvSpPr>
+          <p:nvPr>
+            <p:ph sz="quarter" idx="13"/>
+          </p:nvPr>
+        </p:nvSpPr>
         <p:spPr>
           <a:xfrm>
             <a:off x="1054100" y="543636"/>
@@ -15174,7 +15055,7 @@
 </p:sld>
 </file>
 
-<file path=ppt/slides/slide22.xml><?xml version="1.0" encoding="utf-8"?>
+<file path=ppt/slides/slide21.xml><?xml version="1.0" encoding="utf-8"?>
 <p:sld xmlns:a="http://schemas.openxmlformats.org/drawingml/2006/main" xmlns:r="http://schemas.openxmlformats.org/officeDocument/2006/relationships" xmlns:p="http://schemas.openxmlformats.org/presentationml/2006/main">
   <p:cSld>
     <p:spTree>
@@ -15261,7 +15142,7 @@
 </p:sld>
 </file>
 
-<file path=ppt/slides/slide23.xml><?xml version="1.0" encoding="utf-8"?>
+<file path=ppt/slides/slide22.xml><?xml version="1.0" encoding="utf-8"?>
 <p:sld xmlns:a="http://schemas.openxmlformats.org/drawingml/2006/main" xmlns:r="http://schemas.openxmlformats.org/officeDocument/2006/relationships" xmlns:p="http://schemas.openxmlformats.org/presentationml/2006/main">
   <p:cSld>
     <p:spTree>
@@ -15435,7 +15316,7 @@
 </p:sld>
 </file>
 
-<file path=ppt/slides/slide24.xml><?xml version="1.0" encoding="utf-8"?>
+<file path=ppt/slides/slide23.xml><?xml version="1.0" encoding="utf-8"?>
 <p:sld xmlns:a="http://schemas.openxmlformats.org/drawingml/2006/main" xmlns:r="http://schemas.openxmlformats.org/officeDocument/2006/relationships" xmlns:p="http://schemas.openxmlformats.org/presentationml/2006/main">
   <p:cSld>
     <p:spTree>
@@ -15946,7 +15827,7 @@
 </p:sld>
 </file>
 
-<file path=ppt/slides/slide25.xml><?xml version="1.0" encoding="utf-8"?>
+<file path=ppt/slides/slide24.xml><?xml version="1.0" encoding="utf-8"?>
 <p:sld xmlns:a="http://schemas.openxmlformats.org/drawingml/2006/main" xmlns:r="http://schemas.openxmlformats.org/officeDocument/2006/relationships" xmlns:p="http://schemas.openxmlformats.org/presentationml/2006/main">
   <p:cSld>
     <p:spTree>
@@ -16468,7 +16349,7 @@
 </p:sld>
 </file>
 
-<file path=ppt/slides/slide26.xml><?xml version="1.0" encoding="utf-8"?>
+<file path=ppt/slides/slide25.xml><?xml version="1.0" encoding="utf-8"?>
 <p:sld xmlns:a="http://schemas.openxmlformats.org/drawingml/2006/main" xmlns:r="http://schemas.openxmlformats.org/officeDocument/2006/relationships" xmlns:p="http://schemas.openxmlformats.org/presentationml/2006/main">
   <p:cSld>
     <p:spTree>
@@ -16555,7 +16436,7 @@
 </p:sld>
 </file>
 
-<file path=ppt/slides/slide27.xml><?xml version="1.0" encoding="utf-8"?>
+<file path=ppt/slides/slide26.xml><?xml version="1.0" encoding="utf-8"?>
 <p:sld xmlns:a="http://schemas.openxmlformats.org/drawingml/2006/main" xmlns:r="http://schemas.openxmlformats.org/officeDocument/2006/relationships" xmlns:p="http://schemas.openxmlformats.org/presentationml/2006/main">
   <p:cSld>
     <p:spTree>
@@ -17095,7 +16976,7 @@
 </p:sld>
 </file>
 
-<file path=ppt/slides/slide28.xml><?xml version="1.0" encoding="utf-8"?>
+<file path=ppt/slides/slide27.xml><?xml version="1.0" encoding="utf-8"?>
 <p:sld xmlns:a="http://schemas.openxmlformats.org/drawingml/2006/main" xmlns:r="http://schemas.openxmlformats.org/officeDocument/2006/relationships" xmlns:p="http://schemas.openxmlformats.org/presentationml/2006/main">
   <p:cSld>
     <p:spTree>
@@ -17182,7 +17063,7 @@
 </p:sld>
 </file>
 
-<file path=ppt/slides/slide29.xml><?xml version="1.0" encoding="utf-8"?>
+<file path=ppt/slides/slide28.xml><?xml version="1.0" encoding="utf-8"?>
 <p:sld xmlns:a="http://schemas.openxmlformats.org/drawingml/2006/main" xmlns:r="http://schemas.openxmlformats.org/officeDocument/2006/relationships" xmlns:p="http://schemas.openxmlformats.org/presentationml/2006/main">
   <p:cSld>
     <p:spTree>
@@ -17694,59 +17575,7 @@
 </p:sld>
 </file>
 
-<file path=ppt/slides/slide3.xml><?xml version="1.0" encoding="utf-8"?>
-<p:sld xmlns:a="http://schemas.openxmlformats.org/drawingml/2006/main" xmlns:r="http://schemas.openxmlformats.org/officeDocument/2006/relationships" xmlns:p="http://schemas.openxmlformats.org/presentationml/2006/main" show="0">
-  <p:cSld>
-    <p:spTree>
-      <p:nvGrpSpPr>
-        <p:cNvPr id="1" name=""/>
-        <p:cNvGrpSpPr/>
-        <p:nvPr/>
-      </p:nvGrpSpPr>
-      <p:grpSpPr>
-        <a:xfrm>
-          <a:off x="0" y="0"/>
-          <a:ext cx="0" cy="0"/>
-          <a:chOff x="0" y="0"/>
-          <a:chExt cx="0" cy="0"/>
-        </a:xfrm>
-      </p:grpSpPr>
-      <p:sp>
-        <p:nvSpPr>
-          <p:cNvPr id="2" name="内容占位符 1"/>
-          <p:cNvSpPr>
-            <a:spLocks noGrp="1"/>
-          </p:cNvSpPr>
-          <p:nvPr>
-            <p:ph sz="quarter" idx="13"/>
-          </p:nvPr>
-        </p:nvSpPr>
-        <p:spPr/>
-        <p:txBody>
-          <a:bodyPr/>
-          <a:lstStyle/>
-          <a:p>
-            <a:r>
-              <a:rPr lang="zh-CN" altLang="en-US" b="0" dirty="0"/>
-              <a:t>课程概要</a:t>
-            </a:r>
-          </a:p>
-        </p:txBody>
-      </p:sp>
-    </p:spTree>
-    <p:extLst>
-      <p:ext uri="{BB962C8B-B14F-4D97-AF65-F5344CB8AC3E}">
-        <p14:creationId xmlns:p14="http://schemas.microsoft.com/office/powerpoint/2010/main" val="947354603"/>
-      </p:ext>
-    </p:extLst>
-  </p:cSld>
-  <p:clrMapOvr>
-    <a:masterClrMapping/>
-  </p:clrMapOvr>
-</p:sld>
-</file>
-
-<file path=ppt/slides/slide30.xml><?xml version="1.0" encoding="utf-8"?>
+<file path=ppt/slides/slide29.xml><?xml version="1.0" encoding="utf-8"?>
 <p:sld xmlns:a="http://schemas.openxmlformats.org/drawingml/2006/main" xmlns:r="http://schemas.openxmlformats.org/officeDocument/2006/relationships" xmlns:p="http://schemas.openxmlformats.org/presentationml/2006/main">
   <p:cSld>
     <p:spTree>
@@ -18447,6 +18276,58 @@
 </p:sld>
 </file>
 
+<file path=ppt/slides/slide3.xml><?xml version="1.0" encoding="utf-8"?>
+<p:sld xmlns:a="http://schemas.openxmlformats.org/drawingml/2006/main" xmlns:r="http://schemas.openxmlformats.org/officeDocument/2006/relationships" xmlns:p="http://schemas.openxmlformats.org/presentationml/2006/main" show="0">
+  <p:cSld>
+    <p:spTree>
+      <p:nvGrpSpPr>
+        <p:cNvPr id="1" name=""/>
+        <p:cNvGrpSpPr/>
+        <p:nvPr/>
+      </p:nvGrpSpPr>
+      <p:grpSpPr>
+        <a:xfrm>
+          <a:off x="0" y="0"/>
+          <a:ext cx="0" cy="0"/>
+          <a:chOff x="0" y="0"/>
+          <a:chExt cx="0" cy="0"/>
+        </a:xfrm>
+      </p:grpSpPr>
+      <p:sp>
+        <p:nvSpPr>
+          <p:cNvPr id="2" name="内容占位符 1"/>
+          <p:cNvSpPr>
+            <a:spLocks noGrp="1"/>
+          </p:cNvSpPr>
+          <p:nvPr>
+            <p:ph sz="quarter" idx="13"/>
+          </p:nvPr>
+        </p:nvSpPr>
+        <p:spPr/>
+        <p:txBody>
+          <a:bodyPr/>
+          <a:lstStyle/>
+          <a:p>
+            <a:r>
+              <a:rPr lang="zh-CN" altLang="en-US" b="0" dirty="0"/>
+              <a:t>课程概要</a:t>
+            </a:r>
+          </a:p>
+        </p:txBody>
+      </p:sp>
+    </p:spTree>
+    <p:extLst>
+      <p:ext uri="{BB962C8B-B14F-4D97-AF65-F5344CB8AC3E}">
+        <p14:creationId xmlns:p14="http://schemas.microsoft.com/office/powerpoint/2010/main" val="947354603"/>
+      </p:ext>
+    </p:extLst>
+  </p:cSld>
+  <p:clrMapOvr>
+    <a:masterClrMapping/>
+  </p:clrMapOvr>
+</p:sld>
+</file>
+
 <file path=ppt/slides/slide4.xml><?xml version="1.0" encoding="utf-8"?>
 <p:sld xmlns:a="http://schemas.openxmlformats.org/drawingml/2006/main" xmlns:r="http://schemas.openxmlformats.org/officeDocument/2006/relationships" xmlns:p="http://schemas.openxmlformats.org/presentationml/2006/main">
   <p:cSld>
@@ -18474,362 +18355,6 @@
             <p:ph sz="quarter" idx="13"/>
           </p:nvPr>
         </p:nvSpPr>
-        <p:spPr/>
-        <p:txBody>
-          <a:bodyPr/>
-          <a:lstStyle/>
-          <a:p>
-            <a:r>
-              <a:rPr lang="zh-CN" altLang="en-US" b="0" dirty="0"/>
-              <a:t>关于代码的说明</a:t>
-            </a:r>
-          </a:p>
-        </p:txBody>
-      </p:sp>
-      <p:sp>
-        <p:nvSpPr>
-          <p:cNvPr id="3" name="文本框 2"/>
-          <p:cNvSpPr txBox="1"/>
-          <p:nvPr/>
-        </p:nvSpPr>
-        <p:spPr>
-          <a:xfrm>
-            <a:off x="1214438" y="1785938"/>
-            <a:ext cx="9815512" cy="3785652"/>
-          </a:xfrm>
-          <a:prstGeom prst="rect">
-            <a:avLst/>
-          </a:prstGeom>
-          <a:noFill/>
-        </p:spPr>
-        <p:txBody>
-          <a:bodyPr wrap="square" rtlCol="0">
-            <a:spAutoFit/>
-          </a:bodyPr>
-          <a:lstStyle/>
-          <a:p>
-            <a:pPr marL="342900" indent="-342900">
-              <a:lnSpc>
-                <a:spcPct val="150000"/>
-              </a:lnSpc>
-              <a:buFont typeface="Arial" panose="020B0604020202020204" pitchFamily="34" charset="0"/>
-              <a:buChar char="•"/>
-            </a:pPr>
-            <a:r>
-              <a:rPr lang="zh-CN" altLang="en-US" sz="2000" dirty="0">
-                <a:latin typeface="微软雅黑" panose="020B0503020204020204" pitchFamily="34" charset="-122"/>
-                <a:ea typeface="微软雅黑" panose="020B0503020204020204" pitchFamily="34" charset="-122"/>
-              </a:rPr>
-              <a:t>接口调用实现了一个简单的类库：</a:t>
-            </a:r>
-            <a:r>
-              <a:rPr lang="en-US" altLang="zh-CN" sz="2000" dirty="0" err="1">
-                <a:latin typeface="微软雅黑" panose="020B0503020204020204" pitchFamily="34" charset="-122"/>
-                <a:ea typeface="微软雅黑" panose="020B0503020204020204" pitchFamily="34" charset="-122"/>
-              </a:rPr>
-              <a:t>wxlib.php</a:t>
-            </a:r>
-            <a:r>
-              <a:rPr lang="zh-CN" altLang="en-US" sz="2000" dirty="0">
-                <a:latin typeface="微软雅黑" panose="020B0503020204020204" pitchFamily="34" charset="-122"/>
-                <a:ea typeface="微软雅黑" panose="020B0503020204020204" pitchFamily="34" charset="-122"/>
-              </a:rPr>
-              <a:t>。其中有类的定义，后面有一些辅助功能的函数。</a:t>
-            </a:r>
-            <a:r>
-              <a:rPr lang="en-US" altLang="zh-CN" sz="2000" dirty="0" err="1">
-                <a:latin typeface="微软雅黑" panose="020B0503020204020204" pitchFamily="34" charset="-122"/>
-                <a:ea typeface="微软雅黑" panose="020B0503020204020204" pitchFamily="34" charset="-122"/>
-              </a:rPr>
-              <a:t>wxBaisc</a:t>
-            </a:r>
-            <a:r>
-              <a:rPr lang="zh-CN" altLang="en-US" sz="2000" dirty="0">
-                <a:latin typeface="微软雅黑" panose="020B0503020204020204" pitchFamily="34" charset="-122"/>
-                <a:ea typeface="微软雅黑" panose="020B0503020204020204" pitchFamily="34" charset="-122"/>
-              </a:rPr>
-              <a:t>类是接口调用的基础类，配置了公众号的</a:t>
-            </a:r>
-            <a:r>
-              <a:rPr lang="en-US" altLang="zh-CN" sz="2000" dirty="0" err="1">
-                <a:latin typeface="微软雅黑" panose="020B0503020204020204" pitchFamily="34" charset="-122"/>
-                <a:ea typeface="微软雅黑" panose="020B0503020204020204" pitchFamily="34" charset="-122"/>
-              </a:rPr>
-              <a:t>AppID</a:t>
-            </a:r>
-            <a:r>
-              <a:rPr lang="zh-CN" altLang="en-US" sz="2000" dirty="0">
-                <a:latin typeface="微软雅黑" panose="020B0503020204020204" pitchFamily="34" charset="-122"/>
-                <a:ea typeface="微软雅黑" panose="020B0503020204020204" pitchFamily="34" charset="-122"/>
-              </a:rPr>
-              <a:t>与</a:t>
-            </a:r>
-            <a:r>
-              <a:rPr lang="en-US" altLang="zh-CN" sz="2000" dirty="0" err="1">
-                <a:latin typeface="微软雅黑" panose="020B0503020204020204" pitchFamily="34" charset="-122"/>
-                <a:ea typeface="微软雅黑" panose="020B0503020204020204" pitchFamily="34" charset="-122"/>
-              </a:rPr>
-              <a:t>AppSecret</a:t>
-            </a:r>
-            <a:r>
-              <a:rPr lang="zh-CN" altLang="en-US" sz="2000" dirty="0">
-                <a:latin typeface="微软雅黑" panose="020B0503020204020204" pitchFamily="34" charset="-122"/>
-                <a:ea typeface="微软雅黑" panose="020B0503020204020204" pitchFamily="34" charset="-122"/>
-              </a:rPr>
-              <a:t>。获取</a:t>
-            </a:r>
-            <a:r>
-              <a:rPr lang="en-US" altLang="zh-CN" sz="2000" dirty="0" err="1">
-                <a:latin typeface="微软雅黑" panose="020B0503020204020204" pitchFamily="34" charset="-122"/>
-                <a:ea typeface="微软雅黑" panose="020B0503020204020204" pitchFamily="34" charset="-122"/>
-              </a:rPr>
-              <a:t>access_token</a:t>
-            </a:r>
-            <a:r>
-              <a:rPr lang="zh-CN" altLang="en-US" sz="2000" dirty="0">
-                <a:latin typeface="微软雅黑" panose="020B0503020204020204" pitchFamily="34" charset="-122"/>
-                <a:ea typeface="微软雅黑" panose="020B0503020204020204" pitchFamily="34" charset="-122"/>
-              </a:rPr>
-              <a:t>的类继承此类。</a:t>
-            </a:r>
-            <a:endParaRPr lang="en-US" altLang="zh-CN" sz="2000" dirty="0">
-              <a:latin typeface="微软雅黑" panose="020B0503020204020204" pitchFamily="34" charset="-122"/>
-              <a:ea typeface="微软雅黑" panose="020B0503020204020204" pitchFamily="34" charset="-122"/>
-            </a:endParaRPr>
-          </a:p>
-          <a:p>
-            <a:pPr marL="342900" indent="-342900">
-              <a:lnSpc>
-                <a:spcPct val="150000"/>
-              </a:lnSpc>
-              <a:buFont typeface="Arial" panose="020B0604020202020204" pitchFamily="34" charset="0"/>
-              <a:buChar char="•"/>
-            </a:pPr>
-            <a:r>
-              <a:rPr lang="en-US" altLang="zh-CN" sz="2000" dirty="0" err="1">
-                <a:latin typeface="微软雅黑" panose="020B0503020204020204" pitchFamily="34" charset="-122"/>
-                <a:ea typeface="微软雅黑" panose="020B0503020204020204" pitchFamily="34" charset="-122"/>
-              </a:rPr>
-              <a:t>wxControl</a:t>
-            </a:r>
-            <a:r>
-              <a:rPr lang="zh-CN" altLang="en-US" sz="2000" dirty="0">
-                <a:latin typeface="微软雅黑" panose="020B0503020204020204" pitchFamily="34" charset="-122"/>
-                <a:ea typeface="微软雅黑" panose="020B0503020204020204" pitchFamily="34" charset="-122"/>
-              </a:rPr>
-              <a:t>类继承</a:t>
-            </a:r>
-            <a:r>
-              <a:rPr lang="en-US" altLang="zh-CN" sz="2000" dirty="0" err="1">
-                <a:latin typeface="微软雅黑" panose="020B0503020204020204" pitchFamily="34" charset="-122"/>
-                <a:ea typeface="微软雅黑" panose="020B0503020204020204" pitchFamily="34" charset="-122"/>
-              </a:rPr>
-              <a:t>wxBasic</a:t>
-            </a:r>
-            <a:r>
-              <a:rPr lang="zh-CN" altLang="en-US" sz="2000" dirty="0">
-                <a:latin typeface="微软雅黑" panose="020B0503020204020204" pitchFamily="34" charset="-122"/>
-                <a:ea typeface="微软雅黑" panose="020B0503020204020204" pitchFamily="34" charset="-122"/>
-              </a:rPr>
-              <a:t>类，提供了基本的</a:t>
-            </a:r>
-            <a:r>
-              <a:rPr lang="en-US" altLang="zh-CN" sz="2000" dirty="0">
-                <a:latin typeface="微软雅黑" panose="020B0503020204020204" pitchFamily="34" charset="-122"/>
-                <a:ea typeface="微软雅黑" panose="020B0503020204020204" pitchFamily="34" charset="-122"/>
-              </a:rPr>
-              <a:t>curl</a:t>
-            </a:r>
-            <a:r>
-              <a:rPr lang="zh-CN" altLang="en-US" sz="2000" dirty="0">
-                <a:latin typeface="微软雅黑" panose="020B0503020204020204" pitchFamily="34" charset="-122"/>
-                <a:ea typeface="微软雅黑" panose="020B0503020204020204" pitchFamily="34" charset="-122"/>
-              </a:rPr>
-              <a:t>请求函数，方便接口调用。</a:t>
-            </a:r>
-            <a:endParaRPr lang="en-US" altLang="zh-CN" sz="2000" dirty="0">
-              <a:latin typeface="微软雅黑" panose="020B0503020204020204" pitchFamily="34" charset="-122"/>
-              <a:ea typeface="微软雅黑" panose="020B0503020204020204" pitchFamily="34" charset="-122"/>
-            </a:endParaRPr>
-          </a:p>
-          <a:p>
-            <a:pPr marL="342900" indent="-342900">
-              <a:lnSpc>
-                <a:spcPct val="150000"/>
-              </a:lnSpc>
-              <a:buFont typeface="Arial" panose="020B0604020202020204" pitchFamily="34" charset="0"/>
-              <a:buChar char="•"/>
-            </a:pPr>
-            <a:r>
-              <a:rPr lang="zh-CN" altLang="en-US" sz="2000" dirty="0">
-                <a:latin typeface="微软雅黑" panose="020B0503020204020204" pitchFamily="34" charset="-122"/>
-                <a:ea typeface="微软雅黑" panose="020B0503020204020204" pitchFamily="34" charset="-122"/>
-              </a:rPr>
-              <a:t>所有接口类都继承</a:t>
-            </a:r>
-            <a:r>
-              <a:rPr lang="en-US" altLang="zh-CN" sz="2000" dirty="0" err="1">
-                <a:latin typeface="微软雅黑" panose="020B0503020204020204" pitchFamily="34" charset="-122"/>
-                <a:ea typeface="微软雅黑" panose="020B0503020204020204" pitchFamily="34" charset="-122"/>
-              </a:rPr>
-              <a:t>wxControl</a:t>
-            </a:r>
-            <a:r>
-              <a:rPr lang="zh-CN" altLang="en-US" sz="2000" dirty="0">
-                <a:latin typeface="微软雅黑" panose="020B0503020204020204" pitchFamily="34" charset="-122"/>
-                <a:ea typeface="微软雅黑" panose="020B0503020204020204" pitchFamily="34" charset="-122"/>
-              </a:rPr>
-              <a:t>。</a:t>
-            </a:r>
-            <a:endParaRPr lang="en-US" altLang="zh-CN" sz="2000" dirty="0">
-              <a:latin typeface="微软雅黑" panose="020B0503020204020204" pitchFamily="34" charset="-122"/>
-              <a:ea typeface="微软雅黑" panose="020B0503020204020204" pitchFamily="34" charset="-122"/>
-            </a:endParaRPr>
-          </a:p>
-          <a:p>
-            <a:pPr marL="342900" indent="-342900">
-              <a:lnSpc>
-                <a:spcPct val="150000"/>
-              </a:lnSpc>
-              <a:buFont typeface="Arial" panose="020B0604020202020204" pitchFamily="34" charset="0"/>
-              <a:buChar char="•"/>
-            </a:pPr>
-            <a:r>
-              <a:rPr lang="zh-CN" altLang="en-US" sz="2000" dirty="0">
-                <a:latin typeface="微软雅黑" panose="020B0503020204020204" pitchFamily="34" charset="-122"/>
-                <a:ea typeface="微软雅黑" panose="020B0503020204020204" pitchFamily="34" charset="-122"/>
-              </a:rPr>
-              <a:t>使用一个</a:t>
-            </a:r>
-            <a:r>
-              <a:rPr lang="en-US" altLang="zh-CN" sz="2000" dirty="0" err="1">
-                <a:latin typeface="微软雅黑" panose="020B0503020204020204" pitchFamily="34" charset="-122"/>
-                <a:ea typeface="微软雅黑" panose="020B0503020204020204" pitchFamily="34" charset="-122"/>
-              </a:rPr>
-              <a:t>wxapi.php</a:t>
-            </a:r>
-            <a:r>
-              <a:rPr lang="zh-CN" altLang="en-US" sz="2000" dirty="0">
-                <a:latin typeface="微软雅黑" panose="020B0503020204020204" pitchFamily="34" charset="-122"/>
-                <a:ea typeface="微软雅黑" panose="020B0503020204020204" pitchFamily="34" charset="-122"/>
-              </a:rPr>
-              <a:t>依据</a:t>
-            </a:r>
-            <a:r>
-              <a:rPr lang="en-US" altLang="zh-CN" sz="2000" dirty="0">
-                <a:latin typeface="微软雅黑" panose="020B0503020204020204" pitchFamily="34" charset="-122"/>
-                <a:ea typeface="微软雅黑" panose="020B0503020204020204" pitchFamily="34" charset="-122"/>
-              </a:rPr>
-              <a:t>get</a:t>
-            </a:r>
-            <a:r>
-              <a:rPr lang="zh-CN" altLang="en-US" sz="2000" dirty="0">
-                <a:latin typeface="微软雅黑" panose="020B0503020204020204" pitchFamily="34" charset="-122"/>
-                <a:ea typeface="微软雅黑" panose="020B0503020204020204" pitchFamily="34" charset="-122"/>
-              </a:rPr>
-              <a:t>参数进行相关接口的调用，用于测试环境。</a:t>
-            </a:r>
-            <a:endParaRPr lang="en-US" altLang="zh-CN" sz="2000" dirty="0">
-              <a:latin typeface="微软雅黑" panose="020B0503020204020204" pitchFamily="34" charset="-122"/>
-              <a:ea typeface="微软雅黑" panose="020B0503020204020204" pitchFamily="34" charset="-122"/>
-            </a:endParaRPr>
-          </a:p>
-          <a:p>
-            <a:pPr marL="342900" indent="-342900">
-              <a:lnSpc>
-                <a:spcPct val="150000"/>
-              </a:lnSpc>
-              <a:buFont typeface="Arial" panose="020B0604020202020204" pitchFamily="34" charset="0"/>
-              <a:buChar char="•"/>
-            </a:pPr>
-            <a:r>
-              <a:rPr lang="zh-CN" altLang="en-US" sz="2000" dirty="0">
-                <a:latin typeface="微软雅黑" panose="020B0503020204020204" pitchFamily="34" charset="-122"/>
-                <a:ea typeface="微软雅黑" panose="020B0503020204020204" pitchFamily="34" charset="-122"/>
-              </a:rPr>
-              <a:t>以后的接口调用都会丰富</a:t>
-            </a:r>
-            <a:r>
-              <a:rPr lang="en-US" altLang="zh-CN" sz="2000" dirty="0" err="1">
-                <a:latin typeface="微软雅黑" panose="020B0503020204020204" pitchFamily="34" charset="-122"/>
-                <a:ea typeface="微软雅黑" panose="020B0503020204020204" pitchFamily="34" charset="-122"/>
-              </a:rPr>
-              <a:t>wxlib.php</a:t>
-            </a:r>
-            <a:r>
-              <a:rPr lang="zh-CN" altLang="en-US" sz="2000" dirty="0">
-                <a:latin typeface="微软雅黑" panose="020B0503020204020204" pitchFamily="34" charset="-122"/>
-                <a:ea typeface="微软雅黑" panose="020B0503020204020204" pitchFamily="34" charset="-122"/>
-              </a:rPr>
-              <a:t>，不断地加入新的接口类。</a:t>
-            </a:r>
-            <a:endParaRPr lang="en-US" altLang="zh-CN" sz="2000" dirty="0">
-              <a:latin typeface="微软雅黑" panose="020B0503020204020204" pitchFamily="34" charset="-122"/>
-              <a:ea typeface="微软雅黑" panose="020B0503020204020204" pitchFamily="34" charset="-122"/>
-            </a:endParaRPr>
-          </a:p>
-          <a:p>
-            <a:pPr marL="342900" indent="-342900">
-              <a:lnSpc>
-                <a:spcPct val="150000"/>
-              </a:lnSpc>
-              <a:buFont typeface="Arial" panose="020B0604020202020204" pitchFamily="34" charset="0"/>
-              <a:buChar char="•"/>
-            </a:pPr>
-            <a:r>
-              <a:rPr lang="zh-CN" altLang="en-US" sz="2000" dirty="0">
-                <a:latin typeface="微软雅黑" panose="020B0503020204020204" pitchFamily="34" charset="-122"/>
-                <a:ea typeface="微软雅黑" panose="020B0503020204020204" pitchFamily="34" charset="-122"/>
-              </a:rPr>
-              <a:t>配合实际代码进行接口调用的理解，课件仅作解释性的说明。</a:t>
-            </a:r>
-            <a:endParaRPr lang="en-US" altLang="zh-CN" sz="2000" dirty="0">
-              <a:latin typeface="微软雅黑" panose="020B0503020204020204" pitchFamily="34" charset="-122"/>
-              <a:ea typeface="微软雅黑" panose="020B0503020204020204" pitchFamily="34" charset="-122"/>
-            </a:endParaRPr>
-          </a:p>
-        </p:txBody>
-      </p:sp>
-    </p:spTree>
-    <p:extLst>
-      <p:ext uri="{BB962C8B-B14F-4D97-AF65-F5344CB8AC3E}">
-        <p14:creationId xmlns:p14="http://schemas.microsoft.com/office/powerpoint/2010/main" val="2355143930"/>
-      </p:ext>
-    </p:extLst>
-  </p:cSld>
-  <p:clrMapOvr>
-    <a:masterClrMapping/>
-  </p:clrMapOvr>
-</p:sld>
-</file>
-
-<file path=ppt/slides/slide5.xml><?xml version="1.0" encoding="utf-8"?>
-<p:sld xmlns:a="http://schemas.openxmlformats.org/drawingml/2006/main" xmlns:r="http://schemas.openxmlformats.org/officeDocument/2006/relationships" xmlns:p="http://schemas.openxmlformats.org/presentationml/2006/main">
-  <p:cSld>
-    <p:spTree>
-      <p:nvGrpSpPr>
-        <p:cNvPr id="1" name=""/>
-        <p:cNvGrpSpPr/>
-        <p:nvPr/>
-      </p:nvGrpSpPr>
-      <p:grpSpPr>
-        <a:xfrm>
-          <a:off x="0" y="0"/>
-          <a:ext cx="0" cy="0"/>
-          <a:chOff x="0" y="0"/>
-          <a:chExt cx="0" cy="0"/>
-        </a:xfrm>
-      </p:grpSpPr>
-      <p:sp>
-        <p:nvSpPr>
-          <p:cNvPr id="2" name="内容占位符 1"/>
-          <p:cNvSpPr>
-            <a:spLocks noGrp="1"/>
-          </p:cNvSpPr>
-          <p:nvPr>
-            <p:ph sz="quarter" idx="13"/>
-          </p:nvPr>
-        </p:nvSpPr>
         <p:spPr>
           <a:xfrm>
             <a:off x="1054099" y="543636"/>
@@ -18977,7 +18502,7 @@
 </p:sld>
 </file>
 
-<file path=ppt/slides/slide6.xml><?xml version="1.0" encoding="utf-8"?>
+<file path=ppt/slides/slide5.xml><?xml version="1.0" encoding="utf-8"?>
 <p:sld xmlns:a="http://schemas.openxmlformats.org/drawingml/2006/main" xmlns:r="http://schemas.openxmlformats.org/officeDocument/2006/relationships" xmlns:p="http://schemas.openxmlformats.org/presentationml/2006/main">
   <p:cSld>
     <p:spTree>
@@ -19430,7 +18955,7 @@
 </p:sld>
 </file>
 
-<file path=ppt/slides/slide7.xml><?xml version="1.0" encoding="utf-8"?>
+<file path=ppt/slides/slide6.xml><?xml version="1.0" encoding="utf-8"?>
 <p:sld xmlns:a="http://schemas.openxmlformats.org/drawingml/2006/main" xmlns:r="http://schemas.openxmlformats.org/officeDocument/2006/relationships" xmlns:p="http://schemas.openxmlformats.org/presentationml/2006/main">
   <p:cSld>
     <p:spTree>
@@ -19600,7 +19125,7 @@
 </p:sld>
 </file>
 
-<file path=ppt/slides/slide8.xml><?xml version="1.0" encoding="utf-8"?>
+<file path=ppt/slides/slide7.xml><?xml version="1.0" encoding="utf-8"?>
 <p:sld xmlns:a="http://schemas.openxmlformats.org/drawingml/2006/main" xmlns:r="http://schemas.openxmlformats.org/officeDocument/2006/relationships" xmlns:p="http://schemas.openxmlformats.org/presentationml/2006/main">
   <p:cSld>
     <p:spTree>
@@ -19648,7 +19173,7 @@
         <p:spPr>
           <a:xfrm>
             <a:off x="1054100" y="1714500"/>
-            <a:ext cx="10672763" cy="1138773"/>
+            <a:ext cx="10672763" cy="1600438"/>
           </a:xfrm>
           <a:prstGeom prst="rect">
             <a:avLst/>
@@ -19661,10 +19186,12 @@
           </a:bodyPr>
           <a:lstStyle/>
           <a:p>
-            <a:pPr>
+            <a:pPr marL="342900" indent="-342900">
               <a:lnSpc>
                 <a:spcPct val="150000"/>
               </a:lnSpc>
+              <a:buFont typeface="Arial" panose="020B0604020202020204" pitchFamily="34" charset="0"/>
+              <a:buChar char="•"/>
             </a:pPr>
             <a:r>
               <a:rPr lang="zh-CN" altLang="en-US" sz="2000" dirty="0">
@@ -19673,6 +19200,17 @@
               </a:rPr>
               <a:t>请求接口：</a:t>
             </a:r>
+            <a:endParaRPr lang="en-US" altLang="zh-CN" sz="2000" dirty="0">
+              <a:latin typeface="微软雅黑" panose="020B0503020204020204" pitchFamily="34" charset="-122"/>
+              <a:ea typeface="微软雅黑" panose="020B0503020204020204" pitchFamily="34" charset="-122"/>
+            </a:endParaRPr>
+          </a:p>
+          <a:p>
+            <a:pPr lvl="1">
+              <a:lnSpc>
+                <a:spcPct val="150000"/>
+              </a:lnSpc>
+            </a:pPr>
             <a:r>
               <a:rPr lang="en-US" altLang="zh-CN" sz="2000" dirty="0">
                 <a:latin typeface="微软雅黑" panose="020B0503020204020204" pitchFamily="34" charset="-122"/>
@@ -19690,6 +19228,10 @@
             <a:endParaRPr lang="en-US" altLang="zh-CN" dirty="0"/>
           </a:p>
           <a:p>
+            <a:pPr marL="342900" indent="-342900">
+              <a:buFont typeface="Arial" panose="020B0604020202020204" pitchFamily="34" charset="0"/>
+              <a:buChar char="•"/>
+            </a:pPr>
             <a:r>
               <a:rPr lang="zh-CN" altLang="en-US" sz="2000" dirty="0">
                 <a:latin typeface="微软雅黑" panose="020B0503020204020204" pitchFamily="34" charset="-122"/>
@@ -19727,7 +19269,7 @@
 </p:sld>
 </file>
 
-<file path=ppt/slides/slide9.xml><?xml version="1.0" encoding="utf-8"?>
+<file path=ppt/slides/slide8.xml><?xml version="1.0" encoding="utf-8"?>
 <p:sld xmlns:a="http://schemas.openxmlformats.org/drawingml/2006/main" xmlns:r="http://schemas.openxmlformats.org/officeDocument/2006/relationships" xmlns:p="http://schemas.openxmlformats.org/presentationml/2006/main">
   <p:cSld>
     <p:spTree>
@@ -19805,6 +19347,144 @@
     <p:extLst>
       <p:ext uri="{BB962C8B-B14F-4D97-AF65-F5344CB8AC3E}">
         <p14:creationId xmlns:p14="http://schemas.microsoft.com/office/powerpoint/2010/main" val="636796483"/>
+      </p:ext>
+    </p:extLst>
+  </p:cSld>
+  <p:clrMapOvr>
+    <a:masterClrMapping/>
+  </p:clrMapOvr>
+</p:sld>
+</file>
+
+<file path=ppt/slides/slide9.xml><?xml version="1.0" encoding="utf-8"?>
+<p:sld xmlns:a="http://schemas.openxmlformats.org/drawingml/2006/main" xmlns:r="http://schemas.openxmlformats.org/officeDocument/2006/relationships" xmlns:p="http://schemas.openxmlformats.org/presentationml/2006/main">
+  <p:cSld>
+    <p:spTree>
+      <p:nvGrpSpPr>
+        <p:cNvPr id="1" name=""/>
+        <p:cNvGrpSpPr/>
+        <p:nvPr/>
+      </p:nvGrpSpPr>
+      <p:grpSpPr>
+        <a:xfrm>
+          <a:off x="0" y="0"/>
+          <a:ext cx="0" cy="0"/>
+          <a:chOff x="0" y="0"/>
+          <a:chExt cx="0" cy="0"/>
+        </a:xfrm>
+      </p:grpSpPr>
+      <p:sp>
+        <p:nvSpPr>
+          <p:cNvPr id="2" name="内容占位符 1"/>
+          <p:cNvSpPr>
+            <a:spLocks noGrp="1"/>
+          </p:cNvSpPr>
+          <p:nvPr>
+            <p:ph sz="quarter" idx="13"/>
+          </p:nvPr>
+        </p:nvSpPr>
+        <p:spPr>
+          <a:xfrm>
+            <a:off x="1054099" y="543636"/>
+            <a:ext cx="5375275" cy="685800"/>
+          </a:xfrm>
+        </p:spPr>
+        <p:txBody>
+          <a:bodyPr/>
+          <a:lstStyle/>
+          <a:p>
+            <a:r>
+              <a:rPr lang="zh-CN" altLang="en-US" b="0" dirty="0"/>
+              <a:t>数组方式输出标签</a:t>
+            </a:r>
+          </a:p>
+        </p:txBody>
+      </p:sp>
+      <p:pic>
+        <p:nvPicPr>
+          <p:cNvPr id="3" name="图片 2"/>
+          <p:cNvPicPr>
+            <a:picLocks noChangeAspect="1"/>
+          </p:cNvPicPr>
+          <p:nvPr/>
+        </p:nvPicPr>
+        <p:blipFill>
+          <a:blip r:embed="rId2">
+            <a:extLst>
+              <a:ext uri="{28A0092B-C50C-407E-A947-70E740481C1C}">
+                <a14:useLocalDpi xmlns:a14="http://schemas.microsoft.com/office/drawing/2010/main" val="0"/>
+              </a:ext>
+            </a:extLst>
+          </a:blip>
+          <a:stretch>
+            <a:fillRect/>
+          </a:stretch>
+        </p:blipFill>
+        <p:spPr>
+          <a:xfrm>
+            <a:off x="8153400" y="1671637"/>
+            <a:ext cx="3690938" cy="4488979"/>
+          </a:xfrm>
+          <a:prstGeom prst="rect">
+            <a:avLst/>
+          </a:prstGeom>
+        </p:spPr>
+      </p:pic>
+      <p:sp>
+        <p:nvSpPr>
+          <p:cNvPr id="4" name="文本框 3"/>
+          <p:cNvSpPr txBox="1"/>
+          <p:nvPr/>
+        </p:nvSpPr>
+        <p:spPr>
+          <a:xfrm>
+            <a:off x="1271587" y="1814513"/>
+            <a:ext cx="5043487" cy="1015663"/>
+          </a:xfrm>
+          <a:prstGeom prst="rect">
+            <a:avLst/>
+          </a:prstGeom>
+          <a:noFill/>
+        </p:spPr>
+        <p:txBody>
+          <a:bodyPr wrap="square" rtlCol="0">
+            <a:spAutoFit/>
+          </a:bodyPr>
+          <a:lstStyle/>
+          <a:p>
+            <a:pPr>
+              <a:lnSpc>
+                <a:spcPct val="150000"/>
+              </a:lnSpc>
+            </a:pPr>
+            <a:r>
+              <a:rPr lang="zh-CN" altLang="en-US" sz="2000" dirty="0">
+                <a:latin typeface="微软雅黑" panose="020B0503020204020204" pitchFamily="34" charset="-122"/>
+                <a:ea typeface="微软雅黑" panose="020B0503020204020204" pitchFamily="34" charset="-122"/>
+              </a:rPr>
+              <a:t>截取一部分数据，数组使用自定义的函数：</a:t>
+            </a:r>
+            <a:r>
+              <a:rPr lang="en-US" altLang="zh-CN" sz="2000" dirty="0" err="1">
+                <a:latin typeface="微软雅黑" panose="020B0503020204020204" pitchFamily="34" charset="-122"/>
+                <a:ea typeface="微软雅黑" panose="020B0503020204020204" pitchFamily="34" charset="-122"/>
+              </a:rPr>
+              <a:t>walk_arr_echo</a:t>
+            </a:r>
+            <a:r>
+              <a:rPr lang="zh-CN" altLang="en-US" sz="2000" dirty="0">
+                <a:latin typeface="微软雅黑" panose="020B0503020204020204" pitchFamily="34" charset="-122"/>
+                <a:ea typeface="微软雅黑" panose="020B0503020204020204" pitchFamily="34" charset="-122"/>
+              </a:rPr>
+              <a:t>递归输出数组信息。</a:t>
+            </a:r>
+          </a:p>
+        </p:txBody>
+      </p:sp>
+    </p:spTree>
+    <p:extLst>
+      <p:ext uri="{BB962C8B-B14F-4D97-AF65-F5344CB8AC3E}">
+        <p14:creationId xmlns:p14="http://schemas.microsoft.com/office/powerpoint/2010/main" val="1067076184"/>
       </p:ext>
     </p:extLst>
   </p:cSld>

--- a/课程ppt/第8讲 用户管理.pptx
+++ b/课程ppt/第8讲 用户管理.pptx
@@ -13980,7 +13980,7 @@
           <a:p>
             <a:r>
               <a:rPr lang="zh-CN" altLang="en-US" b="0" dirty="0"/>
-              <a:t>练习：黑名单接口</a:t>
+              <a:t>课下练习：黑名单接口</a:t>
             </a:r>
           </a:p>
         </p:txBody>
